--- a/src/image_works/explanation.pptx
+++ b/src/image_works/explanation.pptx
@@ -104,6 +104,11 @@
       </a:defRPr>
     </a:lvl9pPr>
   </p:defaultTextStyle>
+  <p:extLst>
+    <p:ext uri="{EFAFB233-063F-42B5-8137-9DF3F51BA10A}">
+      <p15:sldGuideLst xmlns:p15="http://schemas.microsoft.com/office/powerpoint/2012/main"/>
+    </p:ext>
+  </p:extLst>
 </p:presentation>
 </file>
 
@@ -3288,16 +3293,6 @@
           <a:p>
             <a:pPr algn="ctr"/>
             <a:r>
-              <a:rPr kumimoji="1" lang="ja-JP" altLang="en-US" sz="4800" b="1" dirty="0">
-                <a:solidFill>
-                  <a:schemeClr val="bg1"/>
-                </a:solidFill>
-                <a:latin typeface="+mj-ea"/>
-                <a:ea typeface="+mj-ea"/>
-              </a:rPr>
-              <a:t>バス</a:t>
-            </a:r>
-            <a:r>
               <a:rPr kumimoji="1" lang="en-US" altLang="ja-JP" sz="4800" b="1" dirty="0">
                 <a:solidFill>
                   <a:schemeClr val="bg1"/>
@@ -3308,14 +3303,14 @@
               <a:t>My</a:t>
             </a:r>
             <a:r>
-              <a:rPr kumimoji="1" lang="ja-JP" altLang="en-US" sz="4800" b="1" dirty="0">
+              <a:rPr kumimoji="1" lang="ja-JP" altLang="en-US" sz="4800" b="1">
                 <a:solidFill>
                   <a:schemeClr val="bg1"/>
                 </a:solidFill>
                 <a:latin typeface="+mj-ea"/>
                 <a:ea typeface="+mj-ea"/>
               </a:rPr>
-              <a:t>時刻表 </a:t>
+              <a:t>バス時刻表 </a:t>
             </a:r>
             <a:r>
               <a:rPr kumimoji="1" lang="ja-JP" altLang="en-US" sz="4000" dirty="0">

--- a/src/image_works/explanation.pptx
+++ b/src/image_works/explanation.pptx
@@ -6,6 +6,10 @@
   </p:sldMasterIdLst>
   <p:sldIdLst>
     <p:sldId id="256" r:id="rId2"/>
+    <p:sldId id="257" r:id="rId3"/>
+    <p:sldId id="259" r:id="rId4"/>
+    <p:sldId id="258" r:id="rId5"/>
+    <p:sldId id="260" r:id="rId6"/>
   </p:sldIdLst>
   <p:sldSz cx="9144000" cy="5143500" type="screen16x9"/>
   <p:notesSz cx="6858000" cy="9144000"/>
@@ -3346,7 +3350,7 @@
         </p:nvSpPr>
         <p:spPr>
           <a:xfrm>
-            <a:off x="148962" y="1174075"/>
+            <a:off x="148962" y="1148499"/>
             <a:ext cx="459105" cy="459105"/>
           </a:xfrm>
           <a:prstGeom prst="ellipse">
@@ -3408,7 +3412,7 @@
         </p:nvSpPr>
         <p:spPr>
           <a:xfrm>
-            <a:off x="617592" y="1212175"/>
+            <a:off x="617592" y="1186599"/>
             <a:ext cx="2954655" cy="461665"/>
           </a:xfrm>
           <a:prstGeom prst="rect">
@@ -3448,7 +3452,7 @@
         </p:nvSpPr>
         <p:spPr>
           <a:xfrm>
-            <a:off x="1691564" y="1846307"/>
+            <a:off x="1691564" y="1820731"/>
             <a:ext cx="2031325" cy="1323439"/>
           </a:xfrm>
           <a:prstGeom prst="rect">
@@ -3522,7 +3526,7 @@
         </p:nvSpPr>
         <p:spPr>
           <a:xfrm>
-            <a:off x="148962" y="3489763"/>
+            <a:off x="148962" y="3464187"/>
             <a:ext cx="459105" cy="459105"/>
           </a:xfrm>
           <a:prstGeom prst="ellipse">
@@ -3584,7 +3588,7 @@
         </p:nvSpPr>
         <p:spPr>
           <a:xfrm>
-            <a:off x="617592" y="3527863"/>
+            <a:off x="617592" y="3502287"/>
             <a:ext cx="2954655" cy="461665"/>
           </a:xfrm>
           <a:prstGeom prst="rect">
@@ -3631,7 +3635,7 @@
         </p:blipFill>
         <p:spPr>
           <a:xfrm>
-            <a:off x="148962" y="1805647"/>
+            <a:off x="148962" y="1780071"/>
             <a:ext cx="1270263" cy="1403788"/>
           </a:xfrm>
           <a:prstGeom prst="rect">
@@ -3668,7 +3672,7 @@
         </p:blipFill>
         <p:spPr>
           <a:xfrm>
-            <a:off x="148962" y="4049774"/>
+            <a:off x="148962" y="4024198"/>
             <a:ext cx="2591162" cy="514422"/>
           </a:xfrm>
           <a:prstGeom prst="rect">
@@ -3690,7 +3694,7 @@
         </p:nvSpPr>
         <p:spPr>
           <a:xfrm>
-            <a:off x="4242063" y="1174075"/>
+            <a:off x="4242063" y="1148499"/>
             <a:ext cx="459105" cy="459105"/>
           </a:xfrm>
           <a:prstGeom prst="ellipse">
@@ -3752,7 +3756,7 @@
         </p:nvSpPr>
         <p:spPr>
           <a:xfrm>
-            <a:off x="4710693" y="1212175"/>
+            <a:off x="4710693" y="1186599"/>
             <a:ext cx="2954655" cy="461665"/>
           </a:xfrm>
           <a:prstGeom prst="rect">
@@ -3799,7 +3803,7 @@
         </p:blipFill>
         <p:spPr>
           <a:xfrm>
-            <a:off x="4242063" y="1749098"/>
+            <a:off x="4242063" y="1723522"/>
             <a:ext cx="3210373" cy="1632278"/>
           </a:xfrm>
           <a:prstGeom prst="rect">
@@ -3821,7 +3825,7 @@
         </p:nvCxnSpPr>
         <p:spPr>
           <a:xfrm flipH="1">
-            <a:off x="1444543" y="2113722"/>
+            <a:off x="1444543" y="2088146"/>
             <a:ext cx="298118" cy="0"/>
           </a:xfrm>
           <a:prstGeom prst="straightConnector1">
@@ -3866,7 +3870,7 @@
         </p:nvCxnSpPr>
         <p:spPr>
           <a:xfrm flipH="1" flipV="1">
-            <a:off x="1457739" y="2551043"/>
+            <a:off x="1457739" y="2525467"/>
             <a:ext cx="284922" cy="278296"/>
           </a:xfrm>
           <a:prstGeom prst="straightConnector1">
@@ -3909,7 +3913,7 @@
         </p:nvSpPr>
         <p:spPr>
           <a:xfrm>
-            <a:off x="7784450" y="1749097"/>
+            <a:off x="7784450" y="1723521"/>
             <a:ext cx="1210588" cy="584775"/>
           </a:xfrm>
           <a:prstGeom prst="rect">
@@ -3956,7 +3960,7 @@
         </p:nvCxnSpPr>
         <p:spPr>
           <a:xfrm flipH="1">
-            <a:off x="7473868" y="1904172"/>
+            <a:off x="7473868" y="1878596"/>
             <a:ext cx="298118" cy="0"/>
           </a:xfrm>
           <a:prstGeom prst="straightConnector1">
@@ -3999,7 +4003,7 @@
         </p:nvSpPr>
         <p:spPr>
           <a:xfrm>
-            <a:off x="4242063" y="3527863"/>
+            <a:off x="4242063" y="3502287"/>
             <a:ext cx="459105" cy="459105"/>
           </a:xfrm>
           <a:prstGeom prst="ellipse">
@@ -4061,7 +4065,7 @@
         </p:nvSpPr>
         <p:spPr>
           <a:xfrm>
-            <a:off x="4710693" y="3565963"/>
+            <a:off x="4710693" y="3540387"/>
             <a:ext cx="800219" cy="461665"/>
           </a:xfrm>
           <a:prstGeom prst="rect">
@@ -4103,7 +4107,7 @@
         </p:blipFill>
         <p:spPr>
           <a:xfrm>
-            <a:off x="4175388" y="4007999"/>
+            <a:off x="4175388" y="3982423"/>
             <a:ext cx="2330187" cy="701166"/>
           </a:xfrm>
           <a:prstGeom prst="rect">
@@ -4125,7 +4129,7 @@
         </p:nvSpPr>
         <p:spPr>
           <a:xfrm>
-            <a:off x="6000750" y="4132254"/>
+            <a:off x="6000750" y="4106678"/>
             <a:ext cx="495300" cy="495300"/>
           </a:xfrm>
           <a:prstGeom prst="ellipse">
@@ -4179,7 +4183,7 @@
         </p:nvSpPr>
         <p:spPr>
           <a:xfrm>
-            <a:off x="6649358" y="3796795"/>
+            <a:off x="6649358" y="3771219"/>
             <a:ext cx="2441694" cy="984885"/>
           </a:xfrm>
           <a:prstGeom prst="rect">
@@ -4261,7 +4265,7 @@
         </p:nvCxnSpPr>
         <p:spPr>
           <a:xfrm flipH="1">
-            <a:off x="6426118" y="3948868"/>
+            <a:off x="6426118" y="3923292"/>
             <a:ext cx="317582" cy="260354"/>
           </a:xfrm>
           <a:prstGeom prst="straightConnector1">
@@ -4385,6 +4389,2965 @@
     <p:extLst>
       <p:ext uri="{BB962C8B-B14F-4D97-AF65-F5344CB8AC3E}">
         <p14:creationId xmlns:p14="http://schemas.microsoft.com/office/powerpoint/2010/main" val="1410130156"/>
+      </p:ext>
+    </p:extLst>
+  </p:cSld>
+  <p:clrMapOvr>
+    <a:masterClrMapping/>
+  </p:clrMapOvr>
+</p:sld>
+</file>
+
+<file path=ppt/slides/slide2.xml><?xml version="1.0" encoding="utf-8"?>
+<p:sld xmlns:a="http://schemas.openxmlformats.org/drawingml/2006/main" xmlns:r="http://schemas.openxmlformats.org/officeDocument/2006/relationships" xmlns:p="http://schemas.openxmlformats.org/presentationml/2006/main">
+  <p:cSld>
+    <p:spTree>
+      <p:nvGrpSpPr>
+        <p:cNvPr id="1" name=""/>
+        <p:cNvGrpSpPr/>
+        <p:nvPr/>
+      </p:nvGrpSpPr>
+      <p:grpSpPr>
+        <a:xfrm>
+          <a:off x="0" y="0"/>
+          <a:ext cx="0" cy="0"/>
+          <a:chOff x="0" y="0"/>
+          <a:chExt cx="0" cy="0"/>
+        </a:xfrm>
+      </p:grpSpPr>
+      <p:sp>
+        <p:nvSpPr>
+          <p:cNvPr id="10" name="テキスト ボックス 9">
+            <a:extLst>
+              <a:ext uri="{FF2B5EF4-FFF2-40B4-BE49-F238E27FC236}">
+                <a16:creationId xmlns:a16="http://schemas.microsoft.com/office/drawing/2014/main" id="{4C5949CE-03F0-5714-5808-BBECFD5720D5}"/>
+              </a:ext>
+            </a:extLst>
+          </p:cNvPr>
+          <p:cNvSpPr txBox="1"/>
+          <p:nvPr/>
+        </p:nvSpPr>
+        <p:spPr>
+          <a:xfrm>
+            <a:off x="1" y="-1"/>
+            <a:ext cx="9144000" cy="1085849"/>
+          </a:xfrm>
+          <a:prstGeom prst="rect">
+            <a:avLst/>
+          </a:prstGeom>
+          <a:solidFill>
+            <a:schemeClr val="accent6">
+              <a:lumMod val="75000"/>
+            </a:schemeClr>
+          </a:solidFill>
+        </p:spPr>
+        <p:txBody>
+          <a:bodyPr wrap="square" tIns="144000" rtlCol="0" anchor="ctr" anchorCtr="0">
+            <a:noAutofit/>
+          </a:bodyPr>
+          <a:lstStyle/>
+          <a:p>
+            <a:pPr algn="ctr"/>
+            <a:r>
+              <a:rPr kumimoji="1" lang="en-US" altLang="ja-JP" sz="5400" b="1" dirty="0">
+                <a:solidFill>
+                  <a:schemeClr val="bg1"/>
+                </a:solidFill>
+                <a:latin typeface="+mj-ea"/>
+                <a:ea typeface="+mj-ea"/>
+              </a:rPr>
+              <a:t>My</a:t>
+            </a:r>
+            <a:r>
+              <a:rPr kumimoji="1" lang="ja-JP" altLang="en-US" sz="5400" b="1" dirty="0">
+                <a:solidFill>
+                  <a:schemeClr val="bg1"/>
+                </a:solidFill>
+                <a:latin typeface="+mj-ea"/>
+                <a:ea typeface="+mj-ea"/>
+              </a:rPr>
+              <a:t>バス時刻表 </a:t>
+            </a:r>
+            <a:r>
+              <a:rPr kumimoji="1" lang="en-US" altLang="ja-JP" sz="5400" b="1" dirty="0">
+                <a:solidFill>
+                  <a:schemeClr val="bg1"/>
+                </a:solidFill>
+                <a:latin typeface="+mj-ea"/>
+                <a:ea typeface="+mj-ea"/>
+              </a:rPr>
+              <a:t>in </a:t>
+            </a:r>
+            <a:r>
+              <a:rPr kumimoji="1" lang="ja-JP" altLang="en-US" sz="5400" b="1" dirty="0">
+                <a:solidFill>
+                  <a:schemeClr val="bg1"/>
+                </a:solidFill>
+                <a:latin typeface="+mj-ea"/>
+                <a:ea typeface="+mj-ea"/>
+              </a:rPr>
+              <a:t>熊本</a:t>
+            </a:r>
+            <a:endParaRPr kumimoji="1" lang="ja-JP" altLang="en-US" sz="5400" dirty="0">
+              <a:solidFill>
+                <a:schemeClr val="bg1"/>
+              </a:solidFill>
+              <a:latin typeface="+mj-ea"/>
+              <a:ea typeface="+mj-ea"/>
+            </a:endParaRPr>
+          </a:p>
+        </p:txBody>
+      </p:sp>
+      <p:grpSp>
+        <p:nvGrpSpPr>
+          <p:cNvPr id="16" name="グループ化 15">
+            <a:extLst>
+              <a:ext uri="{FF2B5EF4-FFF2-40B4-BE49-F238E27FC236}">
+                <a16:creationId xmlns:a16="http://schemas.microsoft.com/office/drawing/2014/main" id="{4946C4D9-9E49-C31D-75ED-A88D546EDC4B}"/>
+              </a:ext>
+            </a:extLst>
+          </p:cNvPr>
+          <p:cNvGrpSpPr/>
+          <p:nvPr/>
+        </p:nvGrpSpPr>
+        <p:grpSpPr>
+          <a:xfrm>
+            <a:off x="133349" y="2200274"/>
+            <a:ext cx="11947053" cy="5210176"/>
+            <a:chOff x="133350" y="1838324"/>
+            <a:chExt cx="9144000" cy="3987749"/>
+          </a:xfrm>
+        </p:grpSpPr>
+        <p:pic>
+          <p:nvPicPr>
+            <p:cNvPr id="15" name="図 14">
+              <a:extLst>
+                <a:ext uri="{FF2B5EF4-FFF2-40B4-BE49-F238E27FC236}">
+                  <a16:creationId xmlns:a16="http://schemas.microsoft.com/office/drawing/2014/main" id="{8D12D4F9-730D-D940-D088-1D9876FDE341}"/>
+                </a:ext>
+              </a:extLst>
+            </p:cNvPr>
+            <p:cNvPicPr>
+              <a:picLocks noChangeAspect="1"/>
+            </p:cNvPicPr>
+            <p:nvPr/>
+          </p:nvPicPr>
+          <p:blipFill rotWithShape="1">
+            <a:blip r:embed="rId2"/>
+            <a:srcRect t="17402"/>
+            <a:stretch/>
+          </p:blipFill>
+          <p:spPr>
+            <a:xfrm>
+              <a:off x="133350" y="1838324"/>
+              <a:ext cx="9144000" cy="3987749"/>
+            </a:xfrm>
+            <a:prstGeom prst="rect">
+              <a:avLst/>
+            </a:prstGeom>
+          </p:spPr>
+        </p:pic>
+        <p:sp>
+          <p:nvSpPr>
+            <p:cNvPr id="8" name="正方形/長方形 7">
+              <a:extLst>
+                <a:ext uri="{FF2B5EF4-FFF2-40B4-BE49-F238E27FC236}">
+                  <a16:creationId xmlns:a16="http://schemas.microsoft.com/office/drawing/2014/main" id="{5D2D5D3C-B272-2D0A-A9FB-C0B4DEC8210F}"/>
+                </a:ext>
+              </a:extLst>
+            </p:cNvPr>
+            <p:cNvSpPr/>
+            <p:nvPr/>
+          </p:nvSpPr>
+          <p:spPr>
+            <a:xfrm>
+              <a:off x="3934022" y="1875144"/>
+              <a:ext cx="4105078" cy="706132"/>
+            </a:xfrm>
+            <a:prstGeom prst="rect">
+              <a:avLst/>
+            </a:prstGeom>
+            <a:solidFill>
+              <a:srgbClr val="354F9B"/>
+            </a:solidFill>
+            <a:ln>
+              <a:noFill/>
+            </a:ln>
+          </p:spPr>
+          <p:style>
+            <a:lnRef idx="2">
+              <a:schemeClr val="accent1">
+                <a:shade val="15000"/>
+              </a:schemeClr>
+            </a:lnRef>
+            <a:fillRef idx="1">
+              <a:schemeClr val="accent1"/>
+            </a:fillRef>
+            <a:effectRef idx="0">
+              <a:schemeClr val="accent1"/>
+            </a:effectRef>
+            <a:fontRef idx="minor">
+              <a:schemeClr val="lt1"/>
+            </a:fontRef>
+          </p:style>
+          <p:txBody>
+            <a:bodyPr rtlCol="0" anchor="ctr"/>
+            <a:lstStyle/>
+            <a:p>
+              <a:pPr algn="ctr"/>
+              <a:endParaRPr kumimoji="1" lang="ja-JP" altLang="en-US"/>
+            </a:p>
+          </p:txBody>
+        </p:sp>
+      </p:grpSp>
+      <p:sp>
+        <p:nvSpPr>
+          <p:cNvPr id="17" name="吹き出し: 四角形 16">
+            <a:extLst>
+              <a:ext uri="{FF2B5EF4-FFF2-40B4-BE49-F238E27FC236}">
+                <a16:creationId xmlns:a16="http://schemas.microsoft.com/office/drawing/2014/main" id="{03019961-ACDE-4EC3-004A-02A9EFB44C97}"/>
+              </a:ext>
+            </a:extLst>
+          </p:cNvPr>
+          <p:cNvSpPr/>
+          <p:nvPr/>
+        </p:nvSpPr>
+        <p:spPr>
+          <a:xfrm>
+            <a:off x="266701" y="1181100"/>
+            <a:ext cx="1604961" cy="866774"/>
+          </a:xfrm>
+          <a:prstGeom prst="wedgeRectCallout">
+            <a:avLst>
+              <a:gd name="adj1" fmla="val -2601"/>
+              <a:gd name="adj2" fmla="val 71196"/>
+            </a:avLst>
+          </a:prstGeom>
+          <a:solidFill>
+            <a:schemeClr val="accent6">
+              <a:lumMod val="40000"/>
+              <a:lumOff val="60000"/>
+            </a:schemeClr>
+          </a:solidFill>
+          <a:ln>
+            <a:noFill/>
+          </a:ln>
+        </p:spPr>
+        <p:style>
+          <a:lnRef idx="2">
+            <a:schemeClr val="accent1">
+              <a:shade val="15000"/>
+            </a:schemeClr>
+          </a:lnRef>
+          <a:fillRef idx="1">
+            <a:schemeClr val="accent1"/>
+          </a:fillRef>
+          <a:effectRef idx="0">
+            <a:schemeClr val="accent1"/>
+          </a:effectRef>
+          <a:fontRef idx="minor">
+            <a:schemeClr val="lt1"/>
+          </a:fontRef>
+        </p:style>
+        <p:txBody>
+          <a:bodyPr tIns="72000" rtlCol="0" anchor="ctr"/>
+          <a:lstStyle/>
+          <a:p>
+            <a:pPr algn="ctr"/>
+            <a:r>
+              <a:rPr kumimoji="1" lang="ja-JP" altLang="en-US" sz="2800" b="1" dirty="0">
+                <a:solidFill>
+                  <a:schemeClr val="tx1"/>
+                </a:solidFill>
+              </a:rPr>
+              <a:t>自宅</a:t>
+            </a:r>
+            <a:r>
+              <a:rPr kumimoji="1" lang="ja-JP" altLang="en-US" sz="2000" b="1" dirty="0">
+                <a:solidFill>
+                  <a:schemeClr val="tx1"/>
+                </a:solidFill>
+              </a:rPr>
+              <a:t>や</a:t>
+            </a:r>
+            <a:br>
+              <a:rPr kumimoji="1" lang="en-US" altLang="ja-JP" sz="2800" b="1" dirty="0">
+                <a:solidFill>
+                  <a:schemeClr val="tx1"/>
+                </a:solidFill>
+              </a:rPr>
+            </a:br>
+            <a:r>
+              <a:rPr kumimoji="1" lang="ja-JP" altLang="en-US" sz="2800" b="1" dirty="0">
+                <a:solidFill>
+                  <a:schemeClr val="tx1"/>
+                </a:solidFill>
+              </a:rPr>
+              <a:t>職場</a:t>
+            </a:r>
+            <a:r>
+              <a:rPr kumimoji="1" lang="ja-JP" altLang="en-US" sz="2000" b="1" dirty="0">
+                <a:solidFill>
+                  <a:schemeClr val="tx1"/>
+                </a:solidFill>
+              </a:rPr>
+              <a:t>から</a:t>
+            </a:r>
+            <a:endParaRPr kumimoji="1" lang="ja-JP" altLang="en-US" sz="2800" b="1" dirty="0">
+              <a:solidFill>
+                <a:schemeClr val="tx1"/>
+              </a:solidFill>
+            </a:endParaRPr>
+          </a:p>
+        </p:txBody>
+      </p:sp>
+      <p:sp>
+        <p:nvSpPr>
+          <p:cNvPr id="18" name="吹き出し: 四角形 17">
+            <a:extLst>
+              <a:ext uri="{FF2B5EF4-FFF2-40B4-BE49-F238E27FC236}">
+                <a16:creationId xmlns:a16="http://schemas.microsoft.com/office/drawing/2014/main" id="{1621AFE3-ECFF-9855-FD24-A92D8DBFC3F0}"/>
+              </a:ext>
+            </a:extLst>
+          </p:cNvPr>
+          <p:cNvSpPr/>
+          <p:nvPr/>
+        </p:nvSpPr>
+        <p:spPr>
+          <a:xfrm>
+            <a:off x="2017396" y="1181100"/>
+            <a:ext cx="1685924" cy="866774"/>
+          </a:xfrm>
+          <a:prstGeom prst="wedgeRectCallout">
+            <a:avLst>
+              <a:gd name="adj1" fmla="val -2601"/>
+              <a:gd name="adj2" fmla="val 71196"/>
+            </a:avLst>
+          </a:prstGeom>
+          <a:solidFill>
+            <a:schemeClr val="accent6">
+              <a:lumMod val="40000"/>
+              <a:lumOff val="60000"/>
+            </a:schemeClr>
+          </a:solidFill>
+          <a:ln>
+            <a:noFill/>
+          </a:ln>
+        </p:spPr>
+        <p:style>
+          <a:lnRef idx="2">
+            <a:schemeClr val="accent1">
+              <a:shade val="15000"/>
+            </a:schemeClr>
+          </a:lnRef>
+          <a:fillRef idx="1">
+            <a:schemeClr val="accent1"/>
+          </a:fillRef>
+          <a:effectRef idx="0">
+            <a:schemeClr val="accent1"/>
+          </a:effectRef>
+          <a:fontRef idx="minor">
+            <a:schemeClr val="lt1"/>
+          </a:fontRef>
+        </p:style>
+        <p:txBody>
+          <a:bodyPr tIns="72000" rtlCol="0" anchor="ctr"/>
+          <a:lstStyle/>
+          <a:p>
+            <a:pPr algn="ctr"/>
+            <a:r>
+              <a:rPr kumimoji="1" lang="ja-JP" altLang="en-US" sz="2800" b="1" dirty="0">
+                <a:solidFill>
+                  <a:schemeClr val="tx1"/>
+                </a:solidFill>
+              </a:rPr>
+              <a:t>よく行く</a:t>
+            </a:r>
+            <a:br>
+              <a:rPr kumimoji="1" lang="en-US" altLang="ja-JP" sz="2800" b="1" dirty="0">
+                <a:solidFill>
+                  <a:schemeClr val="tx1"/>
+                </a:solidFill>
+              </a:rPr>
+            </a:br>
+            <a:r>
+              <a:rPr kumimoji="1" lang="ja-JP" altLang="en-US" sz="2000" b="1" dirty="0">
+                <a:solidFill>
+                  <a:schemeClr val="tx1"/>
+                </a:solidFill>
+              </a:rPr>
+              <a:t>所へ</a:t>
+            </a:r>
+            <a:endParaRPr kumimoji="1" lang="ja-JP" altLang="en-US" sz="2800" b="1" dirty="0">
+              <a:solidFill>
+                <a:schemeClr val="tx1"/>
+              </a:solidFill>
+            </a:endParaRPr>
+          </a:p>
+        </p:txBody>
+      </p:sp>
+      <p:sp>
+        <p:nvSpPr>
+          <p:cNvPr id="24" name="テキスト ボックス 23">
+            <a:extLst>
+              <a:ext uri="{FF2B5EF4-FFF2-40B4-BE49-F238E27FC236}">
+                <a16:creationId xmlns:a16="http://schemas.microsoft.com/office/drawing/2014/main" id="{3693A405-36AC-957C-0586-7B7208848A00}"/>
+              </a:ext>
+            </a:extLst>
+          </p:cNvPr>
+          <p:cNvSpPr txBox="1"/>
+          <p:nvPr/>
+        </p:nvSpPr>
+        <p:spPr>
+          <a:xfrm>
+            <a:off x="666749" y="4595813"/>
+            <a:ext cx="468000" cy="468000"/>
+          </a:xfrm>
+          <a:prstGeom prst="rect">
+            <a:avLst/>
+          </a:prstGeom>
+          <a:solidFill>
+            <a:schemeClr val="tx2">
+              <a:lumMod val="20000"/>
+              <a:lumOff val="80000"/>
+            </a:schemeClr>
+          </a:solidFill>
+          <a:ln w="57150">
+            <a:noFill/>
+          </a:ln>
+        </p:spPr>
+        <p:txBody>
+          <a:bodyPr wrap="none" tIns="90000" bIns="36000" rtlCol="0" anchor="ctr" anchorCtr="0">
+            <a:noAutofit/>
+          </a:bodyPr>
+          <a:lstStyle/>
+          <a:p>
+            <a:pPr algn="ctr"/>
+            <a:r>
+              <a:rPr kumimoji="1" lang="ja-JP" altLang="en-US" sz="1400" b="1" dirty="0"/>
+              <a:t>九州</a:t>
+            </a:r>
+            <a:br>
+              <a:rPr kumimoji="1" lang="en-US" altLang="ja-JP" sz="1400" b="1" dirty="0"/>
+            </a:br>
+            <a:r>
+              <a:rPr kumimoji="1" lang="ja-JP" altLang="en-US" sz="1400" b="1" dirty="0"/>
+              <a:t>産交</a:t>
+            </a:r>
+          </a:p>
+        </p:txBody>
+      </p:sp>
+      <p:sp>
+        <p:nvSpPr>
+          <p:cNvPr id="26" name="テキスト ボックス 25">
+            <a:extLst>
+              <a:ext uri="{FF2B5EF4-FFF2-40B4-BE49-F238E27FC236}">
+                <a16:creationId xmlns:a16="http://schemas.microsoft.com/office/drawing/2014/main" id="{79B4893F-95D7-080C-50C2-574C3DF6F05B}"/>
+              </a:ext>
+            </a:extLst>
+          </p:cNvPr>
+          <p:cNvSpPr txBox="1"/>
+          <p:nvPr/>
+        </p:nvSpPr>
+        <p:spPr>
+          <a:xfrm>
+            <a:off x="1276350" y="4595813"/>
+            <a:ext cx="468000" cy="468000"/>
+          </a:xfrm>
+          <a:prstGeom prst="rect">
+            <a:avLst/>
+          </a:prstGeom>
+          <a:solidFill>
+            <a:schemeClr val="accent3">
+              <a:lumMod val="40000"/>
+              <a:lumOff val="60000"/>
+            </a:schemeClr>
+          </a:solidFill>
+          <a:ln w="57150">
+            <a:noFill/>
+          </a:ln>
+        </p:spPr>
+        <p:txBody>
+          <a:bodyPr wrap="none" tIns="90000" bIns="36000" rtlCol="0" anchor="ctr" anchorCtr="0">
+            <a:noAutofit/>
+          </a:bodyPr>
+          <a:lstStyle/>
+          <a:p>
+            <a:pPr algn="ctr"/>
+            <a:r>
+              <a:rPr kumimoji="1" lang="ja-JP" altLang="en-US" sz="1400" b="1" dirty="0"/>
+              <a:t>都市</a:t>
+            </a:r>
+            <a:br>
+              <a:rPr kumimoji="1" lang="en-US" altLang="ja-JP" sz="1400" b="1" dirty="0"/>
+            </a:br>
+            <a:r>
+              <a:rPr kumimoji="1" lang="ja-JP" altLang="en-US" sz="1400" b="1" dirty="0"/>
+              <a:t>バス</a:t>
+            </a:r>
+          </a:p>
+        </p:txBody>
+      </p:sp>
+      <p:sp>
+        <p:nvSpPr>
+          <p:cNvPr id="27" name="テキスト ボックス 26">
+            <a:extLst>
+              <a:ext uri="{FF2B5EF4-FFF2-40B4-BE49-F238E27FC236}">
+                <a16:creationId xmlns:a16="http://schemas.microsoft.com/office/drawing/2014/main" id="{B83DB5E1-C3E3-7686-95D4-0FA0B11B2FB9}"/>
+              </a:ext>
+            </a:extLst>
+          </p:cNvPr>
+          <p:cNvSpPr txBox="1"/>
+          <p:nvPr/>
+        </p:nvSpPr>
+        <p:spPr>
+          <a:xfrm>
+            <a:off x="1871662" y="4595813"/>
+            <a:ext cx="468000" cy="468000"/>
+          </a:xfrm>
+          <a:prstGeom prst="rect">
+            <a:avLst/>
+          </a:prstGeom>
+          <a:solidFill>
+            <a:schemeClr val="accent5">
+              <a:lumMod val="60000"/>
+              <a:lumOff val="40000"/>
+            </a:schemeClr>
+          </a:solidFill>
+          <a:ln w="57150">
+            <a:noFill/>
+          </a:ln>
+        </p:spPr>
+        <p:txBody>
+          <a:bodyPr wrap="none" tIns="90000" bIns="36000" rtlCol="0" anchor="ctr" anchorCtr="0">
+            <a:noAutofit/>
+          </a:bodyPr>
+          <a:lstStyle/>
+          <a:p>
+            <a:pPr algn="ctr"/>
+            <a:r>
+              <a:rPr kumimoji="1" lang="ja-JP" altLang="en-US" sz="1400" b="1" dirty="0"/>
+              <a:t>産交</a:t>
+            </a:r>
+            <a:br>
+              <a:rPr kumimoji="1" lang="en-US" altLang="ja-JP" sz="1400" b="1" dirty="0"/>
+            </a:br>
+            <a:r>
+              <a:rPr kumimoji="1" lang="ja-JP" altLang="en-US" sz="1400" b="1" dirty="0"/>
+              <a:t>バス</a:t>
+            </a:r>
+          </a:p>
+        </p:txBody>
+      </p:sp>
+      <p:sp>
+        <p:nvSpPr>
+          <p:cNvPr id="19" name="正方形/長方形 18">
+            <a:extLst>
+              <a:ext uri="{FF2B5EF4-FFF2-40B4-BE49-F238E27FC236}">
+                <a16:creationId xmlns:a16="http://schemas.microsoft.com/office/drawing/2014/main" id="{1A908F54-CA4E-CF04-6C72-880EDA0F2E59}"/>
+              </a:ext>
+            </a:extLst>
+          </p:cNvPr>
+          <p:cNvSpPr/>
+          <p:nvPr/>
+        </p:nvSpPr>
+        <p:spPr>
+          <a:xfrm>
+            <a:off x="633413" y="4019550"/>
+            <a:ext cx="538162" cy="552450"/>
+          </a:xfrm>
+          <a:prstGeom prst="rect">
+            <a:avLst/>
+          </a:prstGeom>
+          <a:noFill/>
+          <a:ln w="57150">
+            <a:solidFill>
+              <a:srgbClr val="354F9B"/>
+            </a:solidFill>
+          </a:ln>
+        </p:spPr>
+        <p:style>
+          <a:lnRef idx="2">
+            <a:schemeClr val="accent1">
+              <a:shade val="15000"/>
+            </a:schemeClr>
+          </a:lnRef>
+          <a:fillRef idx="1">
+            <a:schemeClr val="accent1"/>
+          </a:fillRef>
+          <a:effectRef idx="0">
+            <a:schemeClr val="accent1"/>
+          </a:effectRef>
+          <a:fontRef idx="minor">
+            <a:schemeClr val="lt1"/>
+          </a:fontRef>
+        </p:style>
+        <p:txBody>
+          <a:bodyPr rtlCol="0" anchor="ctr"/>
+          <a:lstStyle/>
+          <a:p>
+            <a:pPr algn="ctr"/>
+            <a:endParaRPr kumimoji="1" lang="ja-JP" altLang="en-US"/>
+          </a:p>
+        </p:txBody>
+      </p:sp>
+      <p:sp>
+        <p:nvSpPr>
+          <p:cNvPr id="22" name="正方形/長方形 21">
+            <a:extLst>
+              <a:ext uri="{FF2B5EF4-FFF2-40B4-BE49-F238E27FC236}">
+                <a16:creationId xmlns:a16="http://schemas.microsoft.com/office/drawing/2014/main" id="{BCA4E051-3283-FD57-1D14-8052212EEDF5}"/>
+              </a:ext>
+            </a:extLst>
+          </p:cNvPr>
+          <p:cNvSpPr/>
+          <p:nvPr/>
+        </p:nvSpPr>
+        <p:spPr>
+          <a:xfrm>
+            <a:off x="1228726" y="4019550"/>
+            <a:ext cx="538162" cy="552450"/>
+          </a:xfrm>
+          <a:prstGeom prst="rect">
+            <a:avLst/>
+          </a:prstGeom>
+          <a:noFill/>
+          <a:ln w="57150">
+            <a:solidFill>
+              <a:srgbClr val="92D050"/>
+            </a:solidFill>
+          </a:ln>
+        </p:spPr>
+        <p:style>
+          <a:lnRef idx="2">
+            <a:schemeClr val="accent1">
+              <a:shade val="15000"/>
+            </a:schemeClr>
+          </a:lnRef>
+          <a:fillRef idx="1">
+            <a:schemeClr val="accent1"/>
+          </a:fillRef>
+          <a:effectRef idx="0">
+            <a:schemeClr val="accent1"/>
+          </a:effectRef>
+          <a:fontRef idx="minor">
+            <a:schemeClr val="lt1"/>
+          </a:fontRef>
+        </p:style>
+        <p:txBody>
+          <a:bodyPr rtlCol="0" anchor="ctr"/>
+          <a:lstStyle/>
+          <a:p>
+            <a:pPr algn="ctr"/>
+            <a:endParaRPr kumimoji="1" lang="ja-JP" altLang="en-US"/>
+          </a:p>
+        </p:txBody>
+      </p:sp>
+      <p:sp>
+        <p:nvSpPr>
+          <p:cNvPr id="23" name="正方形/長方形 22">
+            <a:extLst>
+              <a:ext uri="{FF2B5EF4-FFF2-40B4-BE49-F238E27FC236}">
+                <a16:creationId xmlns:a16="http://schemas.microsoft.com/office/drawing/2014/main" id="{D17256FD-4610-2DAF-64A8-E43D295BEF88}"/>
+              </a:ext>
+            </a:extLst>
+          </p:cNvPr>
+          <p:cNvSpPr/>
+          <p:nvPr/>
+        </p:nvSpPr>
+        <p:spPr>
+          <a:xfrm>
+            <a:off x="1824038" y="4019550"/>
+            <a:ext cx="538162" cy="552450"/>
+          </a:xfrm>
+          <a:prstGeom prst="rect">
+            <a:avLst/>
+          </a:prstGeom>
+          <a:noFill/>
+          <a:ln w="57150">
+            <a:solidFill>
+              <a:schemeClr val="accent5"/>
+            </a:solidFill>
+          </a:ln>
+        </p:spPr>
+        <p:style>
+          <a:lnRef idx="2">
+            <a:schemeClr val="accent1">
+              <a:shade val="15000"/>
+            </a:schemeClr>
+          </a:lnRef>
+          <a:fillRef idx="1">
+            <a:schemeClr val="accent1"/>
+          </a:fillRef>
+          <a:effectRef idx="0">
+            <a:schemeClr val="accent1"/>
+          </a:effectRef>
+          <a:fontRef idx="minor">
+            <a:schemeClr val="lt1"/>
+          </a:fontRef>
+        </p:style>
+        <p:txBody>
+          <a:bodyPr rtlCol="0" anchor="ctr"/>
+          <a:lstStyle/>
+          <a:p>
+            <a:pPr algn="ctr"/>
+            <a:endParaRPr kumimoji="1" lang="ja-JP" altLang="en-US"/>
+          </a:p>
+        </p:txBody>
+      </p:sp>
+      <p:sp>
+        <p:nvSpPr>
+          <p:cNvPr id="28" name="テキスト ボックス 27">
+            <a:extLst>
+              <a:ext uri="{FF2B5EF4-FFF2-40B4-BE49-F238E27FC236}">
+                <a16:creationId xmlns:a16="http://schemas.microsoft.com/office/drawing/2014/main" id="{05C1691D-9AC2-0B25-9023-E5277254F0D1}"/>
+              </a:ext>
+            </a:extLst>
+          </p:cNvPr>
+          <p:cNvSpPr txBox="1"/>
+          <p:nvPr/>
+        </p:nvSpPr>
+        <p:spPr>
+          <a:xfrm>
+            <a:off x="4472613" y="1181100"/>
+            <a:ext cx="3877985" cy="1077218"/>
+          </a:xfrm>
+          <a:prstGeom prst="rect">
+            <a:avLst/>
+          </a:prstGeom>
+          <a:noFill/>
+        </p:spPr>
+        <p:txBody>
+          <a:bodyPr wrap="none" rtlCol="0">
+            <a:spAutoFit/>
+          </a:bodyPr>
+          <a:lstStyle/>
+          <a:p>
+            <a:pPr algn="ctr"/>
+            <a:r>
+              <a:rPr kumimoji="1" lang="ja-JP" altLang="en-US" sz="3200" b="1" dirty="0">
+                <a:solidFill>
+                  <a:schemeClr val="accent6">
+                    <a:lumMod val="75000"/>
+                  </a:schemeClr>
+                </a:solidFill>
+              </a:rPr>
+              <a:t>じぶん用の時刻表を</a:t>
+            </a:r>
+            <a:endParaRPr kumimoji="1" lang="en-US" altLang="ja-JP" sz="3200" b="1" dirty="0">
+              <a:solidFill>
+                <a:schemeClr val="accent6">
+                  <a:lumMod val="75000"/>
+                </a:schemeClr>
+              </a:solidFill>
+            </a:endParaRPr>
+          </a:p>
+          <a:p>
+            <a:pPr algn="ctr"/>
+            <a:r>
+              <a:rPr kumimoji="1" lang="ja-JP" altLang="en-US" sz="3200" b="1" dirty="0">
+                <a:solidFill>
+                  <a:schemeClr val="accent6">
+                    <a:lumMod val="75000"/>
+                  </a:schemeClr>
+                </a:solidFill>
+              </a:rPr>
+              <a:t>作って貼ろう！</a:t>
+            </a:r>
+            <a:endParaRPr kumimoji="1" lang="en-US" altLang="ja-JP" sz="3200" b="1" dirty="0">
+              <a:solidFill>
+                <a:schemeClr val="accent6">
+                  <a:lumMod val="75000"/>
+                </a:schemeClr>
+              </a:solidFill>
+            </a:endParaRPr>
+          </a:p>
+        </p:txBody>
+      </p:sp>
+      <p:sp>
+        <p:nvSpPr>
+          <p:cNvPr id="29" name="吹き出し: 四角形 28">
+            <a:extLst>
+              <a:ext uri="{FF2B5EF4-FFF2-40B4-BE49-F238E27FC236}">
+                <a16:creationId xmlns:a16="http://schemas.microsoft.com/office/drawing/2014/main" id="{9D51ABD9-D61E-A49D-4AB2-1FEB001054BF}"/>
+              </a:ext>
+            </a:extLst>
+          </p:cNvPr>
+          <p:cNvSpPr/>
+          <p:nvPr/>
+        </p:nvSpPr>
+        <p:spPr>
+          <a:xfrm>
+            <a:off x="2518654" y="4515488"/>
+            <a:ext cx="2277427" cy="552450"/>
+          </a:xfrm>
+          <a:prstGeom prst="wedgeRectCallout">
+            <a:avLst>
+              <a:gd name="adj1" fmla="val -58676"/>
+              <a:gd name="adj2" fmla="val 2231"/>
+            </a:avLst>
+          </a:prstGeom>
+          <a:solidFill>
+            <a:schemeClr val="accent6">
+              <a:lumMod val="40000"/>
+              <a:lumOff val="60000"/>
+            </a:schemeClr>
+          </a:solidFill>
+          <a:ln>
+            <a:noFill/>
+          </a:ln>
+        </p:spPr>
+        <p:style>
+          <a:lnRef idx="2">
+            <a:schemeClr val="accent1">
+              <a:shade val="15000"/>
+            </a:schemeClr>
+          </a:lnRef>
+          <a:fillRef idx="1">
+            <a:schemeClr val="accent1"/>
+          </a:fillRef>
+          <a:effectRef idx="0">
+            <a:schemeClr val="accent1"/>
+          </a:effectRef>
+          <a:fontRef idx="minor">
+            <a:schemeClr val="lt1"/>
+          </a:fontRef>
+        </p:style>
+        <p:txBody>
+          <a:bodyPr lIns="54000" tIns="72000" rIns="54000" bIns="18000" rtlCol="0" anchor="ctr"/>
+          <a:lstStyle/>
+          <a:p>
+            <a:pPr algn="ctr"/>
+            <a:r>
+              <a:rPr kumimoji="1" lang="en-US" altLang="ja-JP" sz="2800" b="1" dirty="0">
+                <a:solidFill>
+                  <a:schemeClr val="tx1"/>
+                </a:solidFill>
+              </a:rPr>
+              <a:t>5</a:t>
+            </a:r>
+            <a:r>
+              <a:rPr kumimoji="1" lang="ja-JP" altLang="en-US" sz="2800" b="1" dirty="0">
+                <a:solidFill>
+                  <a:schemeClr val="tx1"/>
+                </a:solidFill>
+              </a:rPr>
+              <a:t>社</a:t>
+            </a:r>
+            <a:r>
+              <a:rPr kumimoji="1" lang="ja-JP" altLang="en-US" sz="2000" b="1" dirty="0">
+                <a:solidFill>
+                  <a:schemeClr val="tx1"/>
+                </a:solidFill>
+              </a:rPr>
+              <a:t>分を</a:t>
+            </a:r>
+            <a:r>
+              <a:rPr kumimoji="1" lang="en-US" altLang="ja-JP" sz="2800" b="1" dirty="0">
+                <a:solidFill>
+                  <a:schemeClr val="tx1"/>
+                </a:solidFill>
+              </a:rPr>
+              <a:t>1</a:t>
+            </a:r>
+            <a:r>
+              <a:rPr kumimoji="1" lang="ja-JP" altLang="en-US" sz="2000" b="1" dirty="0">
+                <a:solidFill>
+                  <a:schemeClr val="tx1"/>
+                </a:solidFill>
+              </a:rPr>
+              <a:t>枚に！</a:t>
+            </a:r>
+            <a:endParaRPr kumimoji="1" lang="ja-JP" altLang="en-US" sz="2800" b="1" dirty="0">
+              <a:solidFill>
+                <a:schemeClr val="tx1"/>
+              </a:solidFill>
+            </a:endParaRPr>
+          </a:p>
+        </p:txBody>
+      </p:sp>
+    </p:spTree>
+    <p:extLst>
+      <p:ext uri="{BB962C8B-B14F-4D97-AF65-F5344CB8AC3E}">
+        <p14:creationId xmlns:p14="http://schemas.microsoft.com/office/powerpoint/2010/main" val="3125828806"/>
+      </p:ext>
+    </p:extLst>
+  </p:cSld>
+  <p:clrMapOvr>
+    <a:masterClrMapping/>
+  </p:clrMapOvr>
+</p:sld>
+</file>
+
+<file path=ppt/slides/slide3.xml><?xml version="1.0" encoding="utf-8"?>
+<p:sld xmlns:a="http://schemas.openxmlformats.org/drawingml/2006/main" xmlns:r="http://schemas.openxmlformats.org/officeDocument/2006/relationships" xmlns:p="http://schemas.openxmlformats.org/presentationml/2006/main">
+  <p:cSld>
+    <p:spTree>
+      <p:nvGrpSpPr>
+        <p:cNvPr id="1" name=""/>
+        <p:cNvGrpSpPr/>
+        <p:nvPr/>
+      </p:nvGrpSpPr>
+      <p:grpSpPr>
+        <a:xfrm>
+          <a:off x="0" y="0"/>
+          <a:ext cx="0" cy="0"/>
+          <a:chOff x="0" y="0"/>
+          <a:chExt cx="0" cy="0"/>
+        </a:xfrm>
+      </p:grpSpPr>
+      <p:sp>
+        <p:nvSpPr>
+          <p:cNvPr id="10" name="テキスト ボックス 9">
+            <a:extLst>
+              <a:ext uri="{FF2B5EF4-FFF2-40B4-BE49-F238E27FC236}">
+                <a16:creationId xmlns:a16="http://schemas.microsoft.com/office/drawing/2014/main" id="{4C5949CE-03F0-5714-5808-BBECFD5720D5}"/>
+              </a:ext>
+            </a:extLst>
+          </p:cNvPr>
+          <p:cNvSpPr txBox="1"/>
+          <p:nvPr/>
+        </p:nvSpPr>
+        <p:spPr>
+          <a:xfrm>
+            <a:off x="1" y="-1"/>
+            <a:ext cx="9144000" cy="1085849"/>
+          </a:xfrm>
+          <a:prstGeom prst="rect">
+            <a:avLst/>
+          </a:prstGeom>
+          <a:solidFill>
+            <a:srgbClr val="354F9B"/>
+          </a:solidFill>
+        </p:spPr>
+        <p:txBody>
+          <a:bodyPr wrap="square" tIns="144000" rtlCol="0" anchor="ctr" anchorCtr="0">
+            <a:noAutofit/>
+          </a:bodyPr>
+          <a:lstStyle/>
+          <a:p>
+            <a:pPr algn="ctr"/>
+            <a:r>
+              <a:rPr kumimoji="1" lang="en-US" altLang="ja-JP" sz="5400" b="1" dirty="0">
+                <a:solidFill>
+                  <a:schemeClr val="bg1"/>
+                </a:solidFill>
+                <a:latin typeface="+mj-ea"/>
+                <a:ea typeface="+mj-ea"/>
+              </a:rPr>
+              <a:t>My</a:t>
+            </a:r>
+            <a:r>
+              <a:rPr kumimoji="1" lang="ja-JP" altLang="en-US" sz="5400" b="1" dirty="0">
+                <a:solidFill>
+                  <a:schemeClr val="bg1"/>
+                </a:solidFill>
+                <a:latin typeface="+mj-ea"/>
+                <a:ea typeface="+mj-ea"/>
+              </a:rPr>
+              <a:t>バス時刻表 </a:t>
+            </a:r>
+            <a:r>
+              <a:rPr kumimoji="1" lang="en-US" altLang="ja-JP" sz="5400" b="1" dirty="0">
+                <a:solidFill>
+                  <a:schemeClr val="bg1"/>
+                </a:solidFill>
+                <a:latin typeface="+mj-ea"/>
+                <a:ea typeface="+mj-ea"/>
+              </a:rPr>
+              <a:t>in </a:t>
+            </a:r>
+            <a:r>
+              <a:rPr kumimoji="1" lang="ja-JP" altLang="en-US" sz="5400" b="1" dirty="0">
+                <a:solidFill>
+                  <a:schemeClr val="bg1"/>
+                </a:solidFill>
+                <a:latin typeface="+mj-ea"/>
+                <a:ea typeface="+mj-ea"/>
+              </a:rPr>
+              <a:t>熊本</a:t>
+            </a:r>
+            <a:endParaRPr kumimoji="1" lang="ja-JP" altLang="en-US" sz="5400" dirty="0">
+              <a:solidFill>
+                <a:schemeClr val="bg1"/>
+              </a:solidFill>
+              <a:latin typeface="+mj-ea"/>
+              <a:ea typeface="+mj-ea"/>
+            </a:endParaRPr>
+          </a:p>
+        </p:txBody>
+      </p:sp>
+      <p:grpSp>
+        <p:nvGrpSpPr>
+          <p:cNvPr id="16" name="グループ化 15">
+            <a:extLst>
+              <a:ext uri="{FF2B5EF4-FFF2-40B4-BE49-F238E27FC236}">
+                <a16:creationId xmlns:a16="http://schemas.microsoft.com/office/drawing/2014/main" id="{4946C4D9-9E49-C31D-75ED-A88D546EDC4B}"/>
+              </a:ext>
+            </a:extLst>
+          </p:cNvPr>
+          <p:cNvGrpSpPr/>
+          <p:nvPr/>
+        </p:nvGrpSpPr>
+        <p:grpSpPr>
+          <a:xfrm>
+            <a:off x="133349" y="2200274"/>
+            <a:ext cx="11947053" cy="5210176"/>
+            <a:chOff x="133350" y="1838324"/>
+            <a:chExt cx="9144000" cy="3987749"/>
+          </a:xfrm>
+        </p:grpSpPr>
+        <p:pic>
+          <p:nvPicPr>
+            <p:cNvPr id="15" name="図 14">
+              <a:extLst>
+                <a:ext uri="{FF2B5EF4-FFF2-40B4-BE49-F238E27FC236}">
+                  <a16:creationId xmlns:a16="http://schemas.microsoft.com/office/drawing/2014/main" id="{8D12D4F9-730D-D940-D088-1D9876FDE341}"/>
+                </a:ext>
+              </a:extLst>
+            </p:cNvPr>
+            <p:cNvPicPr>
+              <a:picLocks noChangeAspect="1"/>
+            </p:cNvPicPr>
+            <p:nvPr/>
+          </p:nvPicPr>
+          <p:blipFill rotWithShape="1">
+            <a:blip r:embed="rId2"/>
+            <a:srcRect t="17402"/>
+            <a:stretch/>
+          </p:blipFill>
+          <p:spPr>
+            <a:xfrm>
+              <a:off x="133350" y="1838324"/>
+              <a:ext cx="9144000" cy="3987749"/>
+            </a:xfrm>
+            <a:prstGeom prst="rect">
+              <a:avLst/>
+            </a:prstGeom>
+          </p:spPr>
+        </p:pic>
+        <p:sp>
+          <p:nvSpPr>
+            <p:cNvPr id="8" name="正方形/長方形 7">
+              <a:extLst>
+                <a:ext uri="{FF2B5EF4-FFF2-40B4-BE49-F238E27FC236}">
+                  <a16:creationId xmlns:a16="http://schemas.microsoft.com/office/drawing/2014/main" id="{5D2D5D3C-B272-2D0A-A9FB-C0B4DEC8210F}"/>
+                </a:ext>
+              </a:extLst>
+            </p:cNvPr>
+            <p:cNvSpPr/>
+            <p:nvPr/>
+          </p:nvSpPr>
+          <p:spPr>
+            <a:xfrm>
+              <a:off x="3934022" y="1875144"/>
+              <a:ext cx="4105078" cy="706132"/>
+            </a:xfrm>
+            <a:prstGeom prst="rect">
+              <a:avLst/>
+            </a:prstGeom>
+            <a:solidFill>
+              <a:srgbClr val="354F9B"/>
+            </a:solidFill>
+            <a:ln>
+              <a:noFill/>
+            </a:ln>
+          </p:spPr>
+          <p:style>
+            <a:lnRef idx="2">
+              <a:schemeClr val="accent1">
+                <a:shade val="15000"/>
+              </a:schemeClr>
+            </a:lnRef>
+            <a:fillRef idx="1">
+              <a:schemeClr val="accent1"/>
+            </a:fillRef>
+            <a:effectRef idx="0">
+              <a:schemeClr val="accent1"/>
+            </a:effectRef>
+            <a:fontRef idx="minor">
+              <a:schemeClr val="lt1"/>
+            </a:fontRef>
+          </p:style>
+          <p:txBody>
+            <a:bodyPr rtlCol="0" anchor="ctr"/>
+            <a:lstStyle/>
+            <a:p>
+              <a:pPr algn="ctr"/>
+              <a:endParaRPr kumimoji="1" lang="ja-JP" altLang="en-US"/>
+            </a:p>
+          </p:txBody>
+        </p:sp>
+      </p:grpSp>
+      <p:sp>
+        <p:nvSpPr>
+          <p:cNvPr id="17" name="吹き出し: 四角形 16">
+            <a:extLst>
+              <a:ext uri="{FF2B5EF4-FFF2-40B4-BE49-F238E27FC236}">
+                <a16:creationId xmlns:a16="http://schemas.microsoft.com/office/drawing/2014/main" id="{03019961-ACDE-4EC3-004A-02A9EFB44C97}"/>
+              </a:ext>
+            </a:extLst>
+          </p:cNvPr>
+          <p:cNvSpPr/>
+          <p:nvPr/>
+        </p:nvSpPr>
+        <p:spPr>
+          <a:xfrm>
+            <a:off x="266701" y="1181100"/>
+            <a:ext cx="1604961" cy="866774"/>
+          </a:xfrm>
+          <a:prstGeom prst="wedgeRectCallout">
+            <a:avLst>
+              <a:gd name="adj1" fmla="val -2601"/>
+              <a:gd name="adj2" fmla="val 71196"/>
+            </a:avLst>
+          </a:prstGeom>
+          <a:solidFill>
+            <a:schemeClr val="accent1">
+              <a:lumMod val="20000"/>
+              <a:lumOff val="80000"/>
+            </a:schemeClr>
+          </a:solidFill>
+          <a:ln>
+            <a:noFill/>
+          </a:ln>
+        </p:spPr>
+        <p:style>
+          <a:lnRef idx="2">
+            <a:schemeClr val="accent1">
+              <a:shade val="15000"/>
+            </a:schemeClr>
+          </a:lnRef>
+          <a:fillRef idx="1">
+            <a:schemeClr val="accent1"/>
+          </a:fillRef>
+          <a:effectRef idx="0">
+            <a:schemeClr val="accent1"/>
+          </a:effectRef>
+          <a:fontRef idx="minor">
+            <a:schemeClr val="lt1"/>
+          </a:fontRef>
+        </p:style>
+        <p:txBody>
+          <a:bodyPr tIns="72000" rtlCol="0" anchor="ctr"/>
+          <a:lstStyle/>
+          <a:p>
+            <a:pPr algn="ctr"/>
+            <a:r>
+              <a:rPr kumimoji="1" lang="ja-JP" altLang="en-US" sz="2800" b="1" dirty="0">
+                <a:solidFill>
+                  <a:schemeClr val="tx1"/>
+                </a:solidFill>
+              </a:rPr>
+              <a:t>自宅</a:t>
+            </a:r>
+            <a:r>
+              <a:rPr kumimoji="1" lang="ja-JP" altLang="en-US" sz="2000" b="1" dirty="0">
+                <a:solidFill>
+                  <a:schemeClr val="tx1"/>
+                </a:solidFill>
+              </a:rPr>
+              <a:t>や</a:t>
+            </a:r>
+            <a:br>
+              <a:rPr kumimoji="1" lang="en-US" altLang="ja-JP" sz="2800" b="1" dirty="0">
+                <a:solidFill>
+                  <a:schemeClr val="tx1"/>
+                </a:solidFill>
+              </a:rPr>
+            </a:br>
+            <a:r>
+              <a:rPr kumimoji="1" lang="ja-JP" altLang="en-US" sz="2800" b="1" dirty="0">
+                <a:solidFill>
+                  <a:schemeClr val="tx1"/>
+                </a:solidFill>
+              </a:rPr>
+              <a:t>職場</a:t>
+            </a:r>
+            <a:r>
+              <a:rPr kumimoji="1" lang="ja-JP" altLang="en-US" sz="2000" b="1" dirty="0">
+                <a:solidFill>
+                  <a:schemeClr val="tx1"/>
+                </a:solidFill>
+              </a:rPr>
+              <a:t>から</a:t>
+            </a:r>
+            <a:endParaRPr kumimoji="1" lang="ja-JP" altLang="en-US" sz="2800" b="1" dirty="0">
+              <a:solidFill>
+                <a:schemeClr val="tx1"/>
+              </a:solidFill>
+            </a:endParaRPr>
+          </a:p>
+        </p:txBody>
+      </p:sp>
+      <p:sp>
+        <p:nvSpPr>
+          <p:cNvPr id="18" name="吹き出し: 四角形 17">
+            <a:extLst>
+              <a:ext uri="{FF2B5EF4-FFF2-40B4-BE49-F238E27FC236}">
+                <a16:creationId xmlns:a16="http://schemas.microsoft.com/office/drawing/2014/main" id="{1621AFE3-ECFF-9855-FD24-A92D8DBFC3F0}"/>
+              </a:ext>
+            </a:extLst>
+          </p:cNvPr>
+          <p:cNvSpPr/>
+          <p:nvPr/>
+        </p:nvSpPr>
+        <p:spPr>
+          <a:xfrm>
+            <a:off x="2017396" y="1181100"/>
+            <a:ext cx="1685924" cy="866774"/>
+          </a:xfrm>
+          <a:prstGeom prst="wedgeRectCallout">
+            <a:avLst>
+              <a:gd name="adj1" fmla="val -2601"/>
+              <a:gd name="adj2" fmla="val 71196"/>
+            </a:avLst>
+          </a:prstGeom>
+          <a:solidFill>
+            <a:schemeClr val="accent1">
+              <a:lumMod val="20000"/>
+              <a:lumOff val="80000"/>
+            </a:schemeClr>
+          </a:solidFill>
+          <a:ln>
+            <a:noFill/>
+          </a:ln>
+        </p:spPr>
+        <p:style>
+          <a:lnRef idx="2">
+            <a:schemeClr val="accent1">
+              <a:shade val="15000"/>
+            </a:schemeClr>
+          </a:lnRef>
+          <a:fillRef idx="1">
+            <a:schemeClr val="accent1"/>
+          </a:fillRef>
+          <a:effectRef idx="0">
+            <a:schemeClr val="accent1"/>
+          </a:effectRef>
+          <a:fontRef idx="minor">
+            <a:schemeClr val="lt1"/>
+          </a:fontRef>
+        </p:style>
+        <p:txBody>
+          <a:bodyPr tIns="72000" rtlCol="0" anchor="ctr"/>
+          <a:lstStyle/>
+          <a:p>
+            <a:pPr algn="ctr"/>
+            <a:r>
+              <a:rPr kumimoji="1" lang="ja-JP" altLang="en-US" sz="2800" b="1" dirty="0">
+                <a:solidFill>
+                  <a:schemeClr val="tx1"/>
+                </a:solidFill>
+              </a:rPr>
+              <a:t>よく行く</a:t>
+            </a:r>
+            <a:br>
+              <a:rPr kumimoji="1" lang="en-US" altLang="ja-JP" sz="2800" b="1" dirty="0">
+                <a:solidFill>
+                  <a:schemeClr val="tx1"/>
+                </a:solidFill>
+              </a:rPr>
+            </a:br>
+            <a:r>
+              <a:rPr kumimoji="1" lang="ja-JP" altLang="en-US" sz="2000" b="1" dirty="0">
+                <a:solidFill>
+                  <a:schemeClr val="tx1"/>
+                </a:solidFill>
+              </a:rPr>
+              <a:t>所へ</a:t>
+            </a:r>
+            <a:endParaRPr kumimoji="1" lang="ja-JP" altLang="en-US" sz="2800" b="1" dirty="0">
+              <a:solidFill>
+                <a:schemeClr val="tx1"/>
+              </a:solidFill>
+            </a:endParaRPr>
+          </a:p>
+        </p:txBody>
+      </p:sp>
+      <p:sp>
+        <p:nvSpPr>
+          <p:cNvPr id="24" name="テキスト ボックス 23">
+            <a:extLst>
+              <a:ext uri="{FF2B5EF4-FFF2-40B4-BE49-F238E27FC236}">
+                <a16:creationId xmlns:a16="http://schemas.microsoft.com/office/drawing/2014/main" id="{3693A405-36AC-957C-0586-7B7208848A00}"/>
+              </a:ext>
+            </a:extLst>
+          </p:cNvPr>
+          <p:cNvSpPr txBox="1"/>
+          <p:nvPr/>
+        </p:nvSpPr>
+        <p:spPr>
+          <a:xfrm>
+            <a:off x="666749" y="4595813"/>
+            <a:ext cx="468000" cy="468000"/>
+          </a:xfrm>
+          <a:prstGeom prst="rect">
+            <a:avLst/>
+          </a:prstGeom>
+          <a:solidFill>
+            <a:schemeClr val="tx2">
+              <a:lumMod val="20000"/>
+              <a:lumOff val="80000"/>
+            </a:schemeClr>
+          </a:solidFill>
+          <a:ln w="57150">
+            <a:noFill/>
+          </a:ln>
+        </p:spPr>
+        <p:txBody>
+          <a:bodyPr wrap="none" tIns="90000" bIns="36000" rtlCol="0" anchor="ctr" anchorCtr="0">
+            <a:noAutofit/>
+          </a:bodyPr>
+          <a:lstStyle/>
+          <a:p>
+            <a:pPr algn="ctr"/>
+            <a:r>
+              <a:rPr kumimoji="1" lang="ja-JP" altLang="en-US" sz="1400" b="1" dirty="0"/>
+              <a:t>九州</a:t>
+            </a:r>
+            <a:br>
+              <a:rPr kumimoji="1" lang="en-US" altLang="ja-JP" sz="1400" b="1" dirty="0"/>
+            </a:br>
+            <a:r>
+              <a:rPr kumimoji="1" lang="ja-JP" altLang="en-US" sz="1400" b="1" dirty="0"/>
+              <a:t>産交</a:t>
+            </a:r>
+          </a:p>
+        </p:txBody>
+      </p:sp>
+      <p:sp>
+        <p:nvSpPr>
+          <p:cNvPr id="26" name="テキスト ボックス 25">
+            <a:extLst>
+              <a:ext uri="{FF2B5EF4-FFF2-40B4-BE49-F238E27FC236}">
+                <a16:creationId xmlns:a16="http://schemas.microsoft.com/office/drawing/2014/main" id="{79B4893F-95D7-080C-50C2-574C3DF6F05B}"/>
+              </a:ext>
+            </a:extLst>
+          </p:cNvPr>
+          <p:cNvSpPr txBox="1"/>
+          <p:nvPr/>
+        </p:nvSpPr>
+        <p:spPr>
+          <a:xfrm>
+            <a:off x="1276350" y="4595813"/>
+            <a:ext cx="468000" cy="468000"/>
+          </a:xfrm>
+          <a:prstGeom prst="rect">
+            <a:avLst/>
+          </a:prstGeom>
+          <a:solidFill>
+            <a:schemeClr val="accent3">
+              <a:lumMod val="40000"/>
+              <a:lumOff val="60000"/>
+            </a:schemeClr>
+          </a:solidFill>
+          <a:ln w="57150">
+            <a:noFill/>
+          </a:ln>
+        </p:spPr>
+        <p:txBody>
+          <a:bodyPr wrap="none" tIns="90000" bIns="36000" rtlCol="0" anchor="ctr" anchorCtr="0">
+            <a:noAutofit/>
+          </a:bodyPr>
+          <a:lstStyle/>
+          <a:p>
+            <a:pPr algn="ctr"/>
+            <a:r>
+              <a:rPr kumimoji="1" lang="ja-JP" altLang="en-US" sz="1400" b="1" dirty="0"/>
+              <a:t>都市</a:t>
+            </a:r>
+            <a:br>
+              <a:rPr kumimoji="1" lang="en-US" altLang="ja-JP" sz="1400" b="1" dirty="0"/>
+            </a:br>
+            <a:r>
+              <a:rPr kumimoji="1" lang="ja-JP" altLang="en-US" sz="1400" b="1" dirty="0"/>
+              <a:t>バス</a:t>
+            </a:r>
+          </a:p>
+        </p:txBody>
+      </p:sp>
+      <p:sp>
+        <p:nvSpPr>
+          <p:cNvPr id="27" name="テキスト ボックス 26">
+            <a:extLst>
+              <a:ext uri="{FF2B5EF4-FFF2-40B4-BE49-F238E27FC236}">
+                <a16:creationId xmlns:a16="http://schemas.microsoft.com/office/drawing/2014/main" id="{B83DB5E1-C3E3-7686-95D4-0FA0B11B2FB9}"/>
+              </a:ext>
+            </a:extLst>
+          </p:cNvPr>
+          <p:cNvSpPr txBox="1"/>
+          <p:nvPr/>
+        </p:nvSpPr>
+        <p:spPr>
+          <a:xfrm>
+            <a:off x="1871662" y="4595813"/>
+            <a:ext cx="468000" cy="468000"/>
+          </a:xfrm>
+          <a:prstGeom prst="rect">
+            <a:avLst/>
+          </a:prstGeom>
+          <a:solidFill>
+            <a:schemeClr val="accent5">
+              <a:lumMod val="60000"/>
+              <a:lumOff val="40000"/>
+            </a:schemeClr>
+          </a:solidFill>
+          <a:ln w="57150">
+            <a:noFill/>
+          </a:ln>
+        </p:spPr>
+        <p:txBody>
+          <a:bodyPr wrap="none" tIns="90000" bIns="36000" rtlCol="0" anchor="ctr" anchorCtr="0">
+            <a:noAutofit/>
+          </a:bodyPr>
+          <a:lstStyle/>
+          <a:p>
+            <a:pPr algn="ctr"/>
+            <a:r>
+              <a:rPr kumimoji="1" lang="ja-JP" altLang="en-US" sz="1400" b="1" dirty="0"/>
+              <a:t>産交</a:t>
+            </a:r>
+            <a:br>
+              <a:rPr kumimoji="1" lang="en-US" altLang="ja-JP" sz="1400" b="1" dirty="0"/>
+            </a:br>
+            <a:r>
+              <a:rPr kumimoji="1" lang="ja-JP" altLang="en-US" sz="1400" b="1" dirty="0"/>
+              <a:t>バス</a:t>
+            </a:r>
+          </a:p>
+        </p:txBody>
+      </p:sp>
+      <p:sp>
+        <p:nvSpPr>
+          <p:cNvPr id="19" name="正方形/長方形 18">
+            <a:extLst>
+              <a:ext uri="{FF2B5EF4-FFF2-40B4-BE49-F238E27FC236}">
+                <a16:creationId xmlns:a16="http://schemas.microsoft.com/office/drawing/2014/main" id="{1A908F54-CA4E-CF04-6C72-880EDA0F2E59}"/>
+              </a:ext>
+            </a:extLst>
+          </p:cNvPr>
+          <p:cNvSpPr/>
+          <p:nvPr/>
+        </p:nvSpPr>
+        <p:spPr>
+          <a:xfrm>
+            <a:off x="633413" y="4019550"/>
+            <a:ext cx="538162" cy="552450"/>
+          </a:xfrm>
+          <a:prstGeom prst="rect">
+            <a:avLst/>
+          </a:prstGeom>
+          <a:noFill/>
+          <a:ln w="57150">
+            <a:solidFill>
+              <a:srgbClr val="354F9B"/>
+            </a:solidFill>
+          </a:ln>
+        </p:spPr>
+        <p:style>
+          <a:lnRef idx="2">
+            <a:schemeClr val="accent1">
+              <a:shade val="15000"/>
+            </a:schemeClr>
+          </a:lnRef>
+          <a:fillRef idx="1">
+            <a:schemeClr val="accent1"/>
+          </a:fillRef>
+          <a:effectRef idx="0">
+            <a:schemeClr val="accent1"/>
+          </a:effectRef>
+          <a:fontRef idx="minor">
+            <a:schemeClr val="lt1"/>
+          </a:fontRef>
+        </p:style>
+        <p:txBody>
+          <a:bodyPr rtlCol="0" anchor="ctr"/>
+          <a:lstStyle/>
+          <a:p>
+            <a:pPr algn="ctr"/>
+            <a:endParaRPr kumimoji="1" lang="ja-JP" altLang="en-US"/>
+          </a:p>
+        </p:txBody>
+      </p:sp>
+      <p:sp>
+        <p:nvSpPr>
+          <p:cNvPr id="22" name="正方形/長方形 21">
+            <a:extLst>
+              <a:ext uri="{FF2B5EF4-FFF2-40B4-BE49-F238E27FC236}">
+                <a16:creationId xmlns:a16="http://schemas.microsoft.com/office/drawing/2014/main" id="{BCA4E051-3283-FD57-1D14-8052212EEDF5}"/>
+              </a:ext>
+            </a:extLst>
+          </p:cNvPr>
+          <p:cNvSpPr/>
+          <p:nvPr/>
+        </p:nvSpPr>
+        <p:spPr>
+          <a:xfrm>
+            <a:off x="1228726" y="4019550"/>
+            <a:ext cx="538162" cy="552450"/>
+          </a:xfrm>
+          <a:prstGeom prst="rect">
+            <a:avLst/>
+          </a:prstGeom>
+          <a:noFill/>
+          <a:ln w="57150">
+            <a:solidFill>
+              <a:srgbClr val="92D050"/>
+            </a:solidFill>
+          </a:ln>
+        </p:spPr>
+        <p:style>
+          <a:lnRef idx="2">
+            <a:schemeClr val="accent1">
+              <a:shade val="15000"/>
+            </a:schemeClr>
+          </a:lnRef>
+          <a:fillRef idx="1">
+            <a:schemeClr val="accent1"/>
+          </a:fillRef>
+          <a:effectRef idx="0">
+            <a:schemeClr val="accent1"/>
+          </a:effectRef>
+          <a:fontRef idx="minor">
+            <a:schemeClr val="lt1"/>
+          </a:fontRef>
+        </p:style>
+        <p:txBody>
+          <a:bodyPr rtlCol="0" anchor="ctr"/>
+          <a:lstStyle/>
+          <a:p>
+            <a:pPr algn="ctr"/>
+            <a:endParaRPr kumimoji="1" lang="ja-JP" altLang="en-US"/>
+          </a:p>
+        </p:txBody>
+      </p:sp>
+      <p:sp>
+        <p:nvSpPr>
+          <p:cNvPr id="23" name="正方形/長方形 22">
+            <a:extLst>
+              <a:ext uri="{FF2B5EF4-FFF2-40B4-BE49-F238E27FC236}">
+                <a16:creationId xmlns:a16="http://schemas.microsoft.com/office/drawing/2014/main" id="{D17256FD-4610-2DAF-64A8-E43D295BEF88}"/>
+              </a:ext>
+            </a:extLst>
+          </p:cNvPr>
+          <p:cNvSpPr/>
+          <p:nvPr/>
+        </p:nvSpPr>
+        <p:spPr>
+          <a:xfrm>
+            <a:off x="1824038" y="4019550"/>
+            <a:ext cx="538162" cy="552450"/>
+          </a:xfrm>
+          <a:prstGeom prst="rect">
+            <a:avLst/>
+          </a:prstGeom>
+          <a:noFill/>
+          <a:ln w="57150">
+            <a:solidFill>
+              <a:schemeClr val="accent5"/>
+            </a:solidFill>
+          </a:ln>
+        </p:spPr>
+        <p:style>
+          <a:lnRef idx="2">
+            <a:schemeClr val="accent1">
+              <a:shade val="15000"/>
+            </a:schemeClr>
+          </a:lnRef>
+          <a:fillRef idx="1">
+            <a:schemeClr val="accent1"/>
+          </a:fillRef>
+          <a:effectRef idx="0">
+            <a:schemeClr val="accent1"/>
+          </a:effectRef>
+          <a:fontRef idx="minor">
+            <a:schemeClr val="lt1"/>
+          </a:fontRef>
+        </p:style>
+        <p:txBody>
+          <a:bodyPr rtlCol="0" anchor="ctr"/>
+          <a:lstStyle/>
+          <a:p>
+            <a:pPr algn="ctr"/>
+            <a:endParaRPr kumimoji="1" lang="ja-JP" altLang="en-US"/>
+          </a:p>
+        </p:txBody>
+      </p:sp>
+      <p:sp>
+        <p:nvSpPr>
+          <p:cNvPr id="28" name="テキスト ボックス 27">
+            <a:extLst>
+              <a:ext uri="{FF2B5EF4-FFF2-40B4-BE49-F238E27FC236}">
+                <a16:creationId xmlns:a16="http://schemas.microsoft.com/office/drawing/2014/main" id="{05C1691D-9AC2-0B25-9023-E5277254F0D1}"/>
+              </a:ext>
+            </a:extLst>
+          </p:cNvPr>
+          <p:cNvSpPr txBox="1"/>
+          <p:nvPr/>
+        </p:nvSpPr>
+        <p:spPr>
+          <a:xfrm>
+            <a:off x="4472613" y="1181100"/>
+            <a:ext cx="3877985" cy="1077218"/>
+          </a:xfrm>
+          <a:prstGeom prst="rect">
+            <a:avLst/>
+          </a:prstGeom>
+          <a:noFill/>
+        </p:spPr>
+        <p:txBody>
+          <a:bodyPr wrap="none" rtlCol="0">
+            <a:spAutoFit/>
+          </a:bodyPr>
+          <a:lstStyle/>
+          <a:p>
+            <a:pPr algn="ctr"/>
+            <a:r>
+              <a:rPr kumimoji="1" lang="ja-JP" altLang="en-US" sz="3200" b="1" dirty="0">
+                <a:solidFill>
+                  <a:srgbClr val="354F9B"/>
+                </a:solidFill>
+              </a:rPr>
+              <a:t>じぶん用の時刻表を</a:t>
+            </a:r>
+            <a:endParaRPr kumimoji="1" lang="en-US" altLang="ja-JP" sz="3200" b="1" dirty="0">
+              <a:solidFill>
+                <a:srgbClr val="354F9B"/>
+              </a:solidFill>
+            </a:endParaRPr>
+          </a:p>
+          <a:p>
+            <a:pPr algn="ctr"/>
+            <a:r>
+              <a:rPr kumimoji="1" lang="ja-JP" altLang="en-US" sz="3200" b="1" dirty="0">
+                <a:solidFill>
+                  <a:srgbClr val="354F9B"/>
+                </a:solidFill>
+              </a:rPr>
+              <a:t>作って貼ろう！</a:t>
+            </a:r>
+            <a:endParaRPr kumimoji="1" lang="en-US" altLang="ja-JP" sz="3200" b="1" dirty="0">
+              <a:solidFill>
+                <a:srgbClr val="354F9B"/>
+              </a:solidFill>
+            </a:endParaRPr>
+          </a:p>
+        </p:txBody>
+      </p:sp>
+      <p:sp>
+        <p:nvSpPr>
+          <p:cNvPr id="29" name="吹き出し: 四角形 28">
+            <a:extLst>
+              <a:ext uri="{FF2B5EF4-FFF2-40B4-BE49-F238E27FC236}">
+                <a16:creationId xmlns:a16="http://schemas.microsoft.com/office/drawing/2014/main" id="{9D51ABD9-D61E-A49D-4AB2-1FEB001054BF}"/>
+              </a:ext>
+            </a:extLst>
+          </p:cNvPr>
+          <p:cNvSpPr/>
+          <p:nvPr/>
+        </p:nvSpPr>
+        <p:spPr>
+          <a:xfrm>
+            <a:off x="2518654" y="4515488"/>
+            <a:ext cx="2277427" cy="552450"/>
+          </a:xfrm>
+          <a:prstGeom prst="wedgeRectCallout">
+            <a:avLst>
+              <a:gd name="adj1" fmla="val -58676"/>
+              <a:gd name="adj2" fmla="val 2231"/>
+            </a:avLst>
+          </a:prstGeom>
+          <a:solidFill>
+            <a:schemeClr val="accent1">
+              <a:lumMod val="20000"/>
+              <a:lumOff val="80000"/>
+            </a:schemeClr>
+          </a:solidFill>
+          <a:ln>
+            <a:noFill/>
+          </a:ln>
+        </p:spPr>
+        <p:style>
+          <a:lnRef idx="2">
+            <a:schemeClr val="accent1">
+              <a:shade val="15000"/>
+            </a:schemeClr>
+          </a:lnRef>
+          <a:fillRef idx="1">
+            <a:schemeClr val="accent1"/>
+          </a:fillRef>
+          <a:effectRef idx="0">
+            <a:schemeClr val="accent1"/>
+          </a:effectRef>
+          <a:fontRef idx="minor">
+            <a:schemeClr val="lt1"/>
+          </a:fontRef>
+        </p:style>
+        <p:txBody>
+          <a:bodyPr lIns="54000" tIns="72000" rIns="54000" bIns="18000" rtlCol="0" anchor="ctr"/>
+          <a:lstStyle/>
+          <a:p>
+            <a:pPr algn="ctr"/>
+            <a:r>
+              <a:rPr kumimoji="1" lang="en-US" altLang="ja-JP" sz="2800" b="1" dirty="0">
+                <a:solidFill>
+                  <a:schemeClr val="tx1"/>
+                </a:solidFill>
+              </a:rPr>
+              <a:t>5</a:t>
+            </a:r>
+            <a:r>
+              <a:rPr kumimoji="1" lang="ja-JP" altLang="en-US" sz="2800" b="1" dirty="0">
+                <a:solidFill>
+                  <a:schemeClr val="tx1"/>
+                </a:solidFill>
+              </a:rPr>
+              <a:t>社</a:t>
+            </a:r>
+            <a:r>
+              <a:rPr kumimoji="1" lang="ja-JP" altLang="en-US" sz="2000" b="1" dirty="0">
+                <a:solidFill>
+                  <a:schemeClr val="tx1"/>
+                </a:solidFill>
+              </a:rPr>
+              <a:t>分を</a:t>
+            </a:r>
+            <a:r>
+              <a:rPr kumimoji="1" lang="en-US" altLang="ja-JP" sz="2800" b="1" dirty="0">
+                <a:solidFill>
+                  <a:schemeClr val="tx1"/>
+                </a:solidFill>
+              </a:rPr>
+              <a:t>1</a:t>
+            </a:r>
+            <a:r>
+              <a:rPr kumimoji="1" lang="ja-JP" altLang="en-US" sz="2000" b="1" dirty="0">
+                <a:solidFill>
+                  <a:schemeClr val="tx1"/>
+                </a:solidFill>
+              </a:rPr>
+              <a:t>枚に！</a:t>
+            </a:r>
+            <a:endParaRPr kumimoji="1" lang="ja-JP" altLang="en-US" sz="2800" b="1" dirty="0">
+              <a:solidFill>
+                <a:schemeClr val="tx1"/>
+              </a:solidFill>
+            </a:endParaRPr>
+          </a:p>
+        </p:txBody>
+      </p:sp>
+    </p:spTree>
+    <p:extLst>
+      <p:ext uri="{BB962C8B-B14F-4D97-AF65-F5344CB8AC3E}">
+        <p14:creationId xmlns:p14="http://schemas.microsoft.com/office/powerpoint/2010/main" val="1047138770"/>
+      </p:ext>
+    </p:extLst>
+  </p:cSld>
+  <p:clrMapOvr>
+    <a:masterClrMapping/>
+  </p:clrMapOvr>
+</p:sld>
+</file>
+
+<file path=ppt/slides/slide4.xml><?xml version="1.0" encoding="utf-8"?>
+<p:sld xmlns:a="http://schemas.openxmlformats.org/drawingml/2006/main" xmlns:r="http://schemas.openxmlformats.org/officeDocument/2006/relationships" xmlns:p="http://schemas.openxmlformats.org/presentationml/2006/main">
+  <p:cSld>
+    <p:spTree>
+      <p:nvGrpSpPr>
+        <p:cNvPr id="1" name=""/>
+        <p:cNvGrpSpPr/>
+        <p:nvPr/>
+      </p:nvGrpSpPr>
+      <p:grpSpPr>
+        <a:xfrm>
+          <a:off x="0" y="0"/>
+          <a:ext cx="0" cy="0"/>
+          <a:chOff x="0" y="0"/>
+          <a:chExt cx="0" cy="0"/>
+        </a:xfrm>
+      </p:grpSpPr>
+      <p:pic>
+        <p:nvPicPr>
+          <p:cNvPr id="7" name="図 6">
+            <a:extLst>
+              <a:ext uri="{FF2B5EF4-FFF2-40B4-BE49-F238E27FC236}">
+                <a16:creationId xmlns:a16="http://schemas.microsoft.com/office/drawing/2014/main" id="{48250790-6EAB-9734-357F-2931BC632D50}"/>
+              </a:ext>
+            </a:extLst>
+          </p:cNvPr>
+          <p:cNvPicPr>
+            <a:picLocks noChangeAspect="1"/>
+          </p:cNvPicPr>
+          <p:nvPr/>
+        </p:nvPicPr>
+        <p:blipFill rotWithShape="1">
+          <a:blip r:embed="rId2"/>
+          <a:srcRect l="181"/>
+          <a:stretch/>
+        </p:blipFill>
+        <p:spPr>
+          <a:xfrm>
+            <a:off x="5365115" y="-38101"/>
+            <a:ext cx="5572674" cy="6753823"/>
+          </a:xfrm>
+          <a:prstGeom prst="rect">
+            <a:avLst/>
+          </a:prstGeom>
+        </p:spPr>
+      </p:pic>
+      <p:sp>
+        <p:nvSpPr>
+          <p:cNvPr id="11" name="正方形/長方形 10">
+            <a:extLst>
+              <a:ext uri="{FF2B5EF4-FFF2-40B4-BE49-F238E27FC236}">
+                <a16:creationId xmlns:a16="http://schemas.microsoft.com/office/drawing/2014/main" id="{2E17EF1B-A171-4692-AE9F-F9C7C48F0FB5}"/>
+              </a:ext>
+            </a:extLst>
+          </p:cNvPr>
+          <p:cNvSpPr/>
+          <p:nvPr/>
+        </p:nvSpPr>
+        <p:spPr>
+          <a:xfrm>
+            <a:off x="-1" y="0"/>
+            <a:ext cx="5280660" cy="5143500"/>
+          </a:xfrm>
+          <a:prstGeom prst="rect">
+            <a:avLst/>
+          </a:prstGeom>
+          <a:solidFill>
+            <a:srgbClr val="354F9B"/>
+          </a:solidFill>
+          <a:ln>
+            <a:noFill/>
+          </a:ln>
+        </p:spPr>
+        <p:style>
+          <a:lnRef idx="2">
+            <a:schemeClr val="accent1">
+              <a:shade val="15000"/>
+            </a:schemeClr>
+          </a:lnRef>
+          <a:fillRef idx="1">
+            <a:schemeClr val="accent1"/>
+          </a:fillRef>
+          <a:effectRef idx="0">
+            <a:schemeClr val="accent1"/>
+          </a:effectRef>
+          <a:fontRef idx="minor">
+            <a:schemeClr val="lt1"/>
+          </a:fontRef>
+        </p:style>
+        <p:txBody>
+          <a:bodyPr rtlCol="0" anchor="ctr"/>
+          <a:lstStyle/>
+          <a:p>
+            <a:pPr algn="ctr"/>
+            <a:endParaRPr kumimoji="1" lang="ja-JP" altLang="en-US"/>
+          </a:p>
+        </p:txBody>
+      </p:sp>
+      <p:sp>
+        <p:nvSpPr>
+          <p:cNvPr id="12" name="テキスト ボックス 11">
+            <a:extLst>
+              <a:ext uri="{FF2B5EF4-FFF2-40B4-BE49-F238E27FC236}">
+                <a16:creationId xmlns:a16="http://schemas.microsoft.com/office/drawing/2014/main" id="{7C971F1F-90F5-3FFF-DEA0-666B42F5F68B}"/>
+              </a:ext>
+            </a:extLst>
+          </p:cNvPr>
+          <p:cNvSpPr txBox="1"/>
+          <p:nvPr/>
+        </p:nvSpPr>
+        <p:spPr>
+          <a:xfrm>
+            <a:off x="193588" y="275570"/>
+            <a:ext cx="4889585" cy="1938992"/>
+          </a:xfrm>
+          <a:prstGeom prst="rect">
+            <a:avLst/>
+          </a:prstGeom>
+          <a:noFill/>
+        </p:spPr>
+        <p:txBody>
+          <a:bodyPr wrap="square" rtlCol="0">
+            <a:spAutoFit/>
+          </a:bodyPr>
+          <a:lstStyle/>
+          <a:p>
+            <a:r>
+              <a:rPr kumimoji="1" lang="ja-JP" altLang="en-US" sz="6000" dirty="0">
+                <a:solidFill>
+                  <a:schemeClr val="bg1"/>
+                </a:solidFill>
+                <a:latin typeface="HGP創英角ｺﾞｼｯｸUB" panose="020B0900000000000000" pitchFamily="50" charset="-128"/>
+                <a:ea typeface="HGP創英角ｺﾞｼｯｸUB" panose="020B0900000000000000" pitchFamily="50" charset="-128"/>
+              </a:rPr>
+              <a:t>じぶん用</a:t>
+            </a:r>
+            <a:endParaRPr kumimoji="1" lang="en-US" altLang="ja-JP" sz="6000" dirty="0">
+              <a:solidFill>
+                <a:schemeClr val="bg1"/>
+              </a:solidFill>
+              <a:latin typeface="HGP創英角ｺﾞｼｯｸUB" panose="020B0900000000000000" pitchFamily="50" charset="-128"/>
+              <a:ea typeface="HGP創英角ｺﾞｼｯｸUB" panose="020B0900000000000000" pitchFamily="50" charset="-128"/>
+            </a:endParaRPr>
+          </a:p>
+          <a:p>
+            <a:r>
+              <a:rPr kumimoji="1" lang="ja-JP" altLang="en-US" sz="6000" dirty="0">
+                <a:solidFill>
+                  <a:schemeClr val="bg1"/>
+                </a:solidFill>
+                <a:latin typeface="HGP創英角ｺﾞｼｯｸUB" panose="020B0900000000000000" pitchFamily="50" charset="-128"/>
+                <a:ea typeface="HGP創英角ｺﾞｼｯｸUB" panose="020B0900000000000000" pitchFamily="50" charset="-128"/>
+              </a:rPr>
+              <a:t>時刻表</a:t>
+            </a:r>
+            <a:r>
+              <a:rPr kumimoji="1" lang="ja-JP" altLang="en-US" sz="4800" dirty="0">
+                <a:solidFill>
+                  <a:schemeClr val="bg1"/>
+                </a:solidFill>
+                <a:latin typeface="HGP創英角ｺﾞｼｯｸUB" panose="020B0900000000000000" pitchFamily="50" charset="-128"/>
+                <a:ea typeface="HGP創英角ｺﾞｼｯｸUB" panose="020B0900000000000000" pitchFamily="50" charset="-128"/>
+              </a:rPr>
+              <a:t>を</a:t>
+            </a:r>
+            <a:r>
+              <a:rPr kumimoji="1" lang="ja-JP" altLang="en-US" sz="6000" dirty="0">
+                <a:solidFill>
+                  <a:schemeClr val="bg1"/>
+                </a:solidFill>
+                <a:latin typeface="HGP創英角ｺﾞｼｯｸUB" panose="020B0900000000000000" pitchFamily="50" charset="-128"/>
+                <a:ea typeface="HGP創英角ｺﾞｼｯｸUB" panose="020B0900000000000000" pitchFamily="50" charset="-128"/>
+              </a:rPr>
+              <a:t>作</a:t>
+            </a:r>
+            <a:r>
+              <a:rPr kumimoji="1" lang="ja-JP" altLang="en-US" sz="4800" dirty="0">
+                <a:solidFill>
+                  <a:schemeClr val="bg1"/>
+                </a:solidFill>
+                <a:latin typeface="HGP創英角ｺﾞｼｯｸUB" panose="020B0900000000000000" pitchFamily="50" charset="-128"/>
+                <a:ea typeface="HGP創英角ｺﾞｼｯｸUB" panose="020B0900000000000000" pitchFamily="50" charset="-128"/>
+              </a:rPr>
+              <a:t>ろう</a:t>
+            </a:r>
+            <a:endParaRPr kumimoji="1" lang="ja-JP" altLang="en-US" sz="6000" dirty="0">
+              <a:solidFill>
+                <a:schemeClr val="bg1"/>
+              </a:solidFill>
+              <a:latin typeface="HGP創英角ｺﾞｼｯｸUB" panose="020B0900000000000000" pitchFamily="50" charset="-128"/>
+              <a:ea typeface="HGP創英角ｺﾞｼｯｸUB" panose="020B0900000000000000" pitchFamily="50" charset="-128"/>
+            </a:endParaRPr>
+          </a:p>
+        </p:txBody>
+      </p:sp>
+      <p:sp>
+        <p:nvSpPr>
+          <p:cNvPr id="13" name="テキスト ボックス 12">
+            <a:extLst>
+              <a:ext uri="{FF2B5EF4-FFF2-40B4-BE49-F238E27FC236}">
+                <a16:creationId xmlns:a16="http://schemas.microsoft.com/office/drawing/2014/main" id="{E0D37505-506C-3E98-437C-62A75A7A5E05}"/>
+              </a:ext>
+            </a:extLst>
+          </p:cNvPr>
+          <p:cNvSpPr txBox="1"/>
+          <p:nvPr/>
+        </p:nvSpPr>
+        <p:spPr>
+          <a:xfrm>
+            <a:off x="193588" y="3046929"/>
+            <a:ext cx="4646378" cy="1754326"/>
+          </a:xfrm>
+          <a:prstGeom prst="rect">
+            <a:avLst/>
+          </a:prstGeom>
+          <a:noFill/>
+        </p:spPr>
+        <p:txBody>
+          <a:bodyPr wrap="square" rtlCol="0">
+            <a:spAutoFit/>
+          </a:bodyPr>
+          <a:lstStyle/>
+          <a:p>
+            <a:pPr algn="ctr"/>
+            <a:r>
+              <a:rPr kumimoji="1" lang="en-US" altLang="ja-JP" sz="5400" dirty="0">
+                <a:solidFill>
+                  <a:srgbClr val="FFFF66"/>
+                </a:solidFill>
+                <a:latin typeface="HGP創英角ｺﾞｼｯｸUB" panose="020B0900000000000000" pitchFamily="50" charset="-128"/>
+                <a:ea typeface="HGP創英角ｺﾞｼｯｸUB" panose="020B0900000000000000" pitchFamily="50" charset="-128"/>
+              </a:rPr>
+              <a:t>My</a:t>
+            </a:r>
+            <a:r>
+              <a:rPr kumimoji="1" lang="ja-JP" altLang="en-US" sz="5400" dirty="0">
+                <a:solidFill>
+                  <a:srgbClr val="FFFF66"/>
+                </a:solidFill>
+                <a:latin typeface="HGP創英角ｺﾞｼｯｸUB" panose="020B0900000000000000" pitchFamily="50" charset="-128"/>
+                <a:ea typeface="HGP創英角ｺﾞｼｯｸUB" panose="020B0900000000000000" pitchFamily="50" charset="-128"/>
+              </a:rPr>
+              <a:t>バス時刻表</a:t>
+            </a:r>
+            <a:endParaRPr kumimoji="1" lang="en-US" altLang="ja-JP" sz="5400" dirty="0">
+              <a:solidFill>
+                <a:srgbClr val="FFFF66"/>
+              </a:solidFill>
+              <a:latin typeface="HGP創英角ｺﾞｼｯｸUB" panose="020B0900000000000000" pitchFamily="50" charset="-128"/>
+              <a:ea typeface="HGP創英角ｺﾞｼｯｸUB" panose="020B0900000000000000" pitchFamily="50" charset="-128"/>
+            </a:endParaRPr>
+          </a:p>
+          <a:p>
+            <a:pPr algn="ctr"/>
+            <a:r>
+              <a:rPr kumimoji="1" lang="en-US" altLang="ja-JP" sz="5400" dirty="0">
+                <a:solidFill>
+                  <a:srgbClr val="FFFF66"/>
+                </a:solidFill>
+                <a:latin typeface="HGP創英角ｺﾞｼｯｸUB" panose="020B0900000000000000" pitchFamily="50" charset="-128"/>
+                <a:ea typeface="HGP創英角ｺﾞｼｯｸUB" panose="020B0900000000000000" pitchFamily="50" charset="-128"/>
+              </a:rPr>
+              <a:t>for </a:t>
+            </a:r>
+            <a:r>
+              <a:rPr kumimoji="1" lang="ja-JP" altLang="en-US" sz="5400" dirty="0">
+                <a:solidFill>
+                  <a:srgbClr val="FFFF66"/>
+                </a:solidFill>
+                <a:latin typeface="HGP創英角ｺﾞｼｯｸUB" panose="020B0900000000000000" pitchFamily="50" charset="-128"/>
+                <a:ea typeface="HGP創英角ｺﾞｼｯｸUB" panose="020B0900000000000000" pitchFamily="50" charset="-128"/>
+              </a:rPr>
+              <a:t>熊本</a:t>
+            </a:r>
+          </a:p>
+        </p:txBody>
+      </p:sp>
+      <p:sp>
+        <p:nvSpPr>
+          <p:cNvPr id="14" name="正方形/長方形 13">
+            <a:extLst>
+              <a:ext uri="{FF2B5EF4-FFF2-40B4-BE49-F238E27FC236}">
+                <a16:creationId xmlns:a16="http://schemas.microsoft.com/office/drawing/2014/main" id="{CB9A26E4-FBFA-FD95-27DB-12650FEAB695}"/>
+              </a:ext>
+            </a:extLst>
+          </p:cNvPr>
+          <p:cNvSpPr/>
+          <p:nvPr/>
+        </p:nvSpPr>
+        <p:spPr>
+          <a:xfrm>
+            <a:off x="5280659" y="0"/>
+            <a:ext cx="77697" cy="5143500"/>
+          </a:xfrm>
+          <a:prstGeom prst="rect">
+            <a:avLst/>
+          </a:prstGeom>
+          <a:solidFill>
+            <a:schemeClr val="bg1"/>
+          </a:solidFill>
+          <a:ln>
+            <a:noFill/>
+          </a:ln>
+        </p:spPr>
+        <p:style>
+          <a:lnRef idx="2">
+            <a:schemeClr val="accent1">
+              <a:shade val="15000"/>
+            </a:schemeClr>
+          </a:lnRef>
+          <a:fillRef idx="1">
+            <a:schemeClr val="accent1"/>
+          </a:fillRef>
+          <a:effectRef idx="0">
+            <a:schemeClr val="accent1"/>
+          </a:effectRef>
+          <a:fontRef idx="minor">
+            <a:schemeClr val="lt1"/>
+          </a:fontRef>
+        </p:style>
+        <p:txBody>
+          <a:bodyPr rtlCol="0" anchor="ctr"/>
+          <a:lstStyle/>
+          <a:p>
+            <a:pPr algn="ctr"/>
+            <a:endParaRPr kumimoji="1" lang="ja-JP" altLang="en-US"/>
+          </a:p>
+        </p:txBody>
+      </p:sp>
+      <p:sp>
+        <p:nvSpPr>
+          <p:cNvPr id="20" name="テキスト ボックス 19">
+            <a:extLst>
+              <a:ext uri="{FF2B5EF4-FFF2-40B4-BE49-F238E27FC236}">
+                <a16:creationId xmlns:a16="http://schemas.microsoft.com/office/drawing/2014/main" id="{68DADB37-5A48-12E7-73DD-FD106A300B8F}"/>
+              </a:ext>
+            </a:extLst>
+          </p:cNvPr>
+          <p:cNvSpPr txBox="1"/>
+          <p:nvPr/>
+        </p:nvSpPr>
+        <p:spPr>
+          <a:xfrm>
+            <a:off x="5692972" y="2795429"/>
+            <a:ext cx="3449726" cy="1352847"/>
+          </a:xfrm>
+          <a:prstGeom prst="rect">
+            <a:avLst/>
+          </a:prstGeom>
+          <a:solidFill>
+            <a:srgbClr val="354F9B">
+              <a:alpha val="80000"/>
+            </a:srgbClr>
+          </a:solidFill>
+        </p:spPr>
+        <p:txBody>
+          <a:bodyPr wrap="square" tIns="72000" bIns="0" rtlCol="0" anchor="ctr" anchorCtr="0">
+            <a:noAutofit/>
+          </a:bodyPr>
+          <a:lstStyle/>
+          <a:p>
+            <a:pPr algn="r"/>
+            <a:r>
+              <a:rPr kumimoji="1" lang="ja-JP" altLang="en-US" sz="4000" b="1" dirty="0">
+                <a:solidFill>
+                  <a:schemeClr val="bg1"/>
+                </a:solidFill>
+              </a:rPr>
+              <a:t>バス</a:t>
+            </a:r>
+            <a:r>
+              <a:rPr kumimoji="1" lang="en-US" altLang="ja-JP" sz="4000" b="1" dirty="0">
+                <a:solidFill>
+                  <a:schemeClr val="bg1"/>
+                </a:solidFill>
+              </a:rPr>
+              <a:t>5</a:t>
+            </a:r>
+            <a:r>
+              <a:rPr kumimoji="1" lang="ja-JP" altLang="en-US" sz="4000" b="1" dirty="0">
+                <a:solidFill>
+                  <a:schemeClr val="bg1"/>
+                </a:solidFill>
+              </a:rPr>
+              <a:t>社</a:t>
+            </a:r>
+            <a:r>
+              <a:rPr kumimoji="1" lang="ja-JP" altLang="en-US" sz="3200" b="1" dirty="0">
+                <a:solidFill>
+                  <a:schemeClr val="bg1"/>
+                </a:solidFill>
+              </a:rPr>
+              <a:t>の</a:t>
+            </a:r>
+            <a:br>
+              <a:rPr kumimoji="1" lang="en-US" altLang="ja-JP" sz="4000" b="1" dirty="0">
+                <a:solidFill>
+                  <a:schemeClr val="bg1"/>
+                </a:solidFill>
+              </a:rPr>
+            </a:br>
+            <a:r>
+              <a:rPr kumimoji="1" lang="ja-JP" altLang="en-US" sz="4000" b="1" dirty="0">
+                <a:solidFill>
+                  <a:schemeClr val="bg1"/>
+                </a:solidFill>
+              </a:rPr>
+              <a:t>情報</a:t>
+            </a:r>
+            <a:r>
+              <a:rPr kumimoji="1" lang="ja-JP" altLang="en-US" sz="3200" b="1" dirty="0">
+                <a:solidFill>
+                  <a:schemeClr val="bg1"/>
+                </a:solidFill>
+              </a:rPr>
+              <a:t>を</a:t>
+            </a:r>
+            <a:r>
+              <a:rPr kumimoji="1" lang="en-US" altLang="ja-JP" sz="4000" b="1" dirty="0">
+                <a:solidFill>
+                  <a:schemeClr val="bg1"/>
+                </a:solidFill>
+              </a:rPr>
+              <a:t>1</a:t>
+            </a:r>
+            <a:r>
+              <a:rPr kumimoji="1" lang="ja-JP" altLang="en-US" sz="4000" b="1" dirty="0">
+                <a:solidFill>
+                  <a:schemeClr val="bg1"/>
+                </a:solidFill>
+              </a:rPr>
+              <a:t>枚</a:t>
+            </a:r>
+            <a:r>
+              <a:rPr kumimoji="1" lang="ja-JP" altLang="en-US" sz="3200" b="1" dirty="0">
+                <a:solidFill>
+                  <a:schemeClr val="bg1"/>
+                </a:solidFill>
+              </a:rPr>
+              <a:t>に</a:t>
+            </a:r>
+            <a:endParaRPr kumimoji="1" lang="ja-JP" altLang="en-US" sz="4000" b="1" dirty="0">
+              <a:solidFill>
+                <a:schemeClr val="bg1"/>
+              </a:solidFill>
+            </a:endParaRPr>
+          </a:p>
+        </p:txBody>
+      </p:sp>
+      <p:sp>
+        <p:nvSpPr>
+          <p:cNvPr id="21" name="テキスト ボックス 20">
+            <a:extLst>
+              <a:ext uri="{FF2B5EF4-FFF2-40B4-BE49-F238E27FC236}">
+                <a16:creationId xmlns:a16="http://schemas.microsoft.com/office/drawing/2014/main" id="{B39F9F16-F278-1F24-68A5-9A370A3A8EC8}"/>
+              </a:ext>
+            </a:extLst>
+          </p:cNvPr>
+          <p:cNvSpPr txBox="1"/>
+          <p:nvPr/>
+        </p:nvSpPr>
+        <p:spPr>
+          <a:xfrm>
+            <a:off x="5692970" y="1218903"/>
+            <a:ext cx="3449727" cy="1352847"/>
+          </a:xfrm>
+          <a:prstGeom prst="rect">
+            <a:avLst/>
+          </a:prstGeom>
+          <a:solidFill>
+            <a:srgbClr val="354F9B">
+              <a:alpha val="80000"/>
+            </a:srgbClr>
+          </a:solidFill>
+        </p:spPr>
+        <p:txBody>
+          <a:bodyPr wrap="square" tIns="72000" bIns="0" rtlCol="0" anchor="ctr" anchorCtr="0">
+            <a:noAutofit/>
+          </a:bodyPr>
+          <a:lstStyle/>
+          <a:p>
+            <a:pPr algn="r"/>
+            <a:r>
+              <a:rPr kumimoji="1" lang="ja-JP" altLang="en-US" sz="4000" b="1" dirty="0">
+                <a:solidFill>
+                  <a:schemeClr val="bg1"/>
+                </a:solidFill>
+              </a:rPr>
+              <a:t>自宅</a:t>
+            </a:r>
+            <a:r>
+              <a:rPr kumimoji="1" lang="ja-JP" altLang="en-US" sz="3200" b="1" dirty="0">
+                <a:solidFill>
+                  <a:schemeClr val="bg1"/>
+                </a:solidFill>
+              </a:rPr>
+              <a:t>や</a:t>
+            </a:r>
+            <a:r>
+              <a:rPr kumimoji="1" lang="ja-JP" altLang="en-US" sz="4000" b="1" dirty="0">
+                <a:solidFill>
+                  <a:schemeClr val="bg1"/>
+                </a:solidFill>
+              </a:rPr>
+              <a:t>職場</a:t>
+            </a:r>
+            <a:r>
+              <a:rPr kumimoji="1" lang="ja-JP" altLang="en-US" sz="3200" b="1" dirty="0">
+                <a:solidFill>
+                  <a:schemeClr val="bg1"/>
+                </a:solidFill>
+              </a:rPr>
+              <a:t>から</a:t>
+            </a:r>
+            <a:br>
+              <a:rPr kumimoji="1" lang="en-US" altLang="ja-JP" sz="4000" b="1" dirty="0">
+                <a:solidFill>
+                  <a:schemeClr val="bg1"/>
+                </a:solidFill>
+              </a:rPr>
+            </a:br>
+            <a:r>
+              <a:rPr kumimoji="1" lang="ja-JP" altLang="en-US" sz="4000" b="1" dirty="0">
+                <a:solidFill>
+                  <a:schemeClr val="bg1"/>
+                </a:solidFill>
+              </a:rPr>
+              <a:t>よく行く</a:t>
+            </a:r>
+            <a:r>
+              <a:rPr kumimoji="1" lang="ja-JP" altLang="en-US" sz="3200" b="1" dirty="0">
+                <a:solidFill>
+                  <a:schemeClr val="bg1"/>
+                </a:solidFill>
+              </a:rPr>
+              <a:t>所へ</a:t>
+            </a:r>
+            <a:endParaRPr kumimoji="1" lang="ja-JP" altLang="en-US" sz="4000" b="1" dirty="0">
+              <a:solidFill>
+                <a:schemeClr val="bg1"/>
+              </a:solidFill>
+            </a:endParaRPr>
+          </a:p>
+        </p:txBody>
+      </p:sp>
+      <p:sp>
+        <p:nvSpPr>
+          <p:cNvPr id="35" name="正方形/長方形 34">
+            <a:extLst>
+              <a:ext uri="{FF2B5EF4-FFF2-40B4-BE49-F238E27FC236}">
+                <a16:creationId xmlns:a16="http://schemas.microsoft.com/office/drawing/2014/main" id="{AC59EE53-FBA1-8E67-F8BD-9EDDA8BF1199}"/>
+              </a:ext>
+            </a:extLst>
+          </p:cNvPr>
+          <p:cNvSpPr/>
+          <p:nvPr/>
+        </p:nvSpPr>
+        <p:spPr>
+          <a:xfrm>
+            <a:off x="8391525" y="85725"/>
+            <a:ext cx="1590675" cy="352425"/>
+          </a:xfrm>
+          <a:prstGeom prst="rect">
+            <a:avLst/>
+          </a:prstGeom>
+          <a:solidFill>
+            <a:srgbClr val="354F9B"/>
+          </a:solidFill>
+          <a:ln>
+            <a:noFill/>
+          </a:ln>
+        </p:spPr>
+        <p:style>
+          <a:lnRef idx="2">
+            <a:schemeClr val="accent1">
+              <a:shade val="15000"/>
+            </a:schemeClr>
+          </a:lnRef>
+          <a:fillRef idx="1">
+            <a:schemeClr val="accent1"/>
+          </a:fillRef>
+          <a:effectRef idx="0">
+            <a:schemeClr val="accent1"/>
+          </a:effectRef>
+          <a:fontRef idx="minor">
+            <a:schemeClr val="lt1"/>
+          </a:fontRef>
+        </p:style>
+        <p:txBody>
+          <a:bodyPr rtlCol="0" anchor="ctr"/>
+          <a:lstStyle/>
+          <a:p>
+            <a:pPr algn="ctr"/>
+            <a:endParaRPr kumimoji="1" lang="ja-JP" altLang="en-US"/>
+          </a:p>
+        </p:txBody>
+      </p:sp>
+    </p:spTree>
+    <p:extLst>
+      <p:ext uri="{BB962C8B-B14F-4D97-AF65-F5344CB8AC3E}">
+        <p14:creationId xmlns:p14="http://schemas.microsoft.com/office/powerpoint/2010/main" val="224949006"/>
+      </p:ext>
+    </p:extLst>
+  </p:cSld>
+  <p:clrMapOvr>
+    <a:masterClrMapping/>
+  </p:clrMapOvr>
+</p:sld>
+</file>
+
+<file path=ppt/slides/slide5.xml><?xml version="1.0" encoding="utf-8"?>
+<p:sld xmlns:a="http://schemas.openxmlformats.org/drawingml/2006/main" xmlns:r="http://schemas.openxmlformats.org/officeDocument/2006/relationships" xmlns:p="http://schemas.openxmlformats.org/presentationml/2006/main">
+  <p:cSld>
+    <p:spTree>
+      <p:nvGrpSpPr>
+        <p:cNvPr id="1" name=""/>
+        <p:cNvGrpSpPr/>
+        <p:nvPr/>
+      </p:nvGrpSpPr>
+      <p:grpSpPr>
+        <a:xfrm>
+          <a:off x="0" y="0"/>
+          <a:ext cx="0" cy="0"/>
+          <a:chOff x="0" y="0"/>
+          <a:chExt cx="0" cy="0"/>
+        </a:xfrm>
+      </p:grpSpPr>
+      <p:pic>
+        <p:nvPicPr>
+          <p:cNvPr id="7" name="図 6">
+            <a:extLst>
+              <a:ext uri="{FF2B5EF4-FFF2-40B4-BE49-F238E27FC236}">
+                <a16:creationId xmlns:a16="http://schemas.microsoft.com/office/drawing/2014/main" id="{48250790-6EAB-9734-357F-2931BC632D50}"/>
+              </a:ext>
+            </a:extLst>
+          </p:cNvPr>
+          <p:cNvPicPr>
+            <a:picLocks noChangeAspect="1"/>
+          </p:cNvPicPr>
+          <p:nvPr/>
+        </p:nvPicPr>
+        <p:blipFill rotWithShape="1">
+          <a:blip r:embed="rId2"/>
+          <a:srcRect l="181"/>
+          <a:stretch/>
+        </p:blipFill>
+        <p:spPr>
+          <a:xfrm>
+            <a:off x="5365115" y="-38101"/>
+            <a:ext cx="5572674" cy="6753823"/>
+          </a:xfrm>
+          <a:prstGeom prst="rect">
+            <a:avLst/>
+          </a:prstGeom>
+        </p:spPr>
+      </p:pic>
+      <p:sp>
+        <p:nvSpPr>
+          <p:cNvPr id="11" name="正方形/長方形 10">
+            <a:extLst>
+              <a:ext uri="{FF2B5EF4-FFF2-40B4-BE49-F238E27FC236}">
+                <a16:creationId xmlns:a16="http://schemas.microsoft.com/office/drawing/2014/main" id="{2E17EF1B-A171-4692-AE9F-F9C7C48F0FB5}"/>
+              </a:ext>
+            </a:extLst>
+          </p:cNvPr>
+          <p:cNvSpPr/>
+          <p:nvPr/>
+        </p:nvSpPr>
+        <p:spPr>
+          <a:xfrm>
+            <a:off x="-1" y="0"/>
+            <a:ext cx="5280660" cy="5143500"/>
+          </a:xfrm>
+          <a:prstGeom prst="rect">
+            <a:avLst/>
+          </a:prstGeom>
+          <a:solidFill>
+            <a:srgbClr val="354F9B"/>
+          </a:solidFill>
+          <a:ln>
+            <a:noFill/>
+          </a:ln>
+        </p:spPr>
+        <p:style>
+          <a:lnRef idx="2">
+            <a:schemeClr val="accent1">
+              <a:shade val="15000"/>
+            </a:schemeClr>
+          </a:lnRef>
+          <a:fillRef idx="1">
+            <a:schemeClr val="accent1"/>
+          </a:fillRef>
+          <a:effectRef idx="0">
+            <a:schemeClr val="accent1"/>
+          </a:effectRef>
+          <a:fontRef idx="minor">
+            <a:schemeClr val="lt1"/>
+          </a:fontRef>
+        </p:style>
+        <p:txBody>
+          <a:bodyPr rtlCol="0" anchor="ctr"/>
+          <a:lstStyle/>
+          <a:p>
+            <a:pPr algn="ctr"/>
+            <a:endParaRPr kumimoji="1" lang="ja-JP" altLang="en-US"/>
+          </a:p>
+        </p:txBody>
+      </p:sp>
+      <p:sp>
+        <p:nvSpPr>
+          <p:cNvPr id="12" name="テキスト ボックス 11">
+            <a:extLst>
+              <a:ext uri="{FF2B5EF4-FFF2-40B4-BE49-F238E27FC236}">
+                <a16:creationId xmlns:a16="http://schemas.microsoft.com/office/drawing/2014/main" id="{7C971F1F-90F5-3FFF-DEA0-666B42F5F68B}"/>
+              </a:ext>
+            </a:extLst>
+          </p:cNvPr>
+          <p:cNvSpPr txBox="1"/>
+          <p:nvPr/>
+        </p:nvSpPr>
+        <p:spPr>
+          <a:xfrm>
+            <a:off x="348846" y="275570"/>
+            <a:ext cx="4889585" cy="1938992"/>
+          </a:xfrm>
+          <a:prstGeom prst="rect">
+            <a:avLst/>
+          </a:prstGeom>
+          <a:noFill/>
+        </p:spPr>
+        <p:txBody>
+          <a:bodyPr wrap="square" rtlCol="0">
+            <a:spAutoFit/>
+          </a:bodyPr>
+          <a:lstStyle/>
+          <a:p>
+            <a:r>
+              <a:rPr kumimoji="1" lang="ja-JP" altLang="en-US" sz="6000" dirty="0">
+                <a:solidFill>
+                  <a:schemeClr val="bg1"/>
+                </a:solidFill>
+                <a:latin typeface="HGP創英角ｺﾞｼｯｸUB" panose="020B0900000000000000" pitchFamily="50" charset="-128"/>
+                <a:ea typeface="HGP創英角ｺﾞｼｯｸUB" panose="020B0900000000000000" pitchFamily="50" charset="-128"/>
+              </a:rPr>
+              <a:t>じぶん用</a:t>
+            </a:r>
+            <a:endParaRPr kumimoji="1" lang="en-US" altLang="ja-JP" sz="6000" dirty="0">
+              <a:solidFill>
+                <a:schemeClr val="bg1"/>
+              </a:solidFill>
+              <a:latin typeface="HGP創英角ｺﾞｼｯｸUB" panose="020B0900000000000000" pitchFamily="50" charset="-128"/>
+              <a:ea typeface="HGP創英角ｺﾞｼｯｸUB" panose="020B0900000000000000" pitchFamily="50" charset="-128"/>
+            </a:endParaRPr>
+          </a:p>
+          <a:p>
+            <a:r>
+              <a:rPr kumimoji="1" lang="ja-JP" altLang="en-US" sz="6000" dirty="0">
+                <a:solidFill>
+                  <a:schemeClr val="bg1"/>
+                </a:solidFill>
+                <a:latin typeface="HGP創英角ｺﾞｼｯｸUB" panose="020B0900000000000000" pitchFamily="50" charset="-128"/>
+                <a:ea typeface="HGP創英角ｺﾞｼｯｸUB" panose="020B0900000000000000" pitchFamily="50" charset="-128"/>
+              </a:rPr>
+              <a:t>時刻表</a:t>
+            </a:r>
+            <a:r>
+              <a:rPr kumimoji="1" lang="ja-JP" altLang="en-US" sz="4800" dirty="0">
+                <a:solidFill>
+                  <a:schemeClr val="bg1"/>
+                </a:solidFill>
+                <a:latin typeface="HGP創英角ｺﾞｼｯｸUB" panose="020B0900000000000000" pitchFamily="50" charset="-128"/>
+                <a:ea typeface="HGP創英角ｺﾞｼｯｸUB" panose="020B0900000000000000" pitchFamily="50" charset="-128"/>
+              </a:rPr>
+              <a:t>を</a:t>
+            </a:r>
+            <a:r>
+              <a:rPr kumimoji="1" lang="ja-JP" altLang="en-US" sz="6000" dirty="0">
+                <a:solidFill>
+                  <a:schemeClr val="bg1"/>
+                </a:solidFill>
+                <a:latin typeface="HGP創英角ｺﾞｼｯｸUB" panose="020B0900000000000000" pitchFamily="50" charset="-128"/>
+                <a:ea typeface="HGP創英角ｺﾞｼｯｸUB" panose="020B0900000000000000" pitchFamily="50" charset="-128"/>
+              </a:rPr>
+              <a:t>作</a:t>
+            </a:r>
+            <a:r>
+              <a:rPr kumimoji="1" lang="ja-JP" altLang="en-US" sz="4800" dirty="0">
+                <a:solidFill>
+                  <a:schemeClr val="bg1"/>
+                </a:solidFill>
+                <a:latin typeface="HGP創英角ｺﾞｼｯｸUB" panose="020B0900000000000000" pitchFamily="50" charset="-128"/>
+                <a:ea typeface="HGP創英角ｺﾞｼｯｸUB" panose="020B0900000000000000" pitchFamily="50" charset="-128"/>
+              </a:rPr>
+              <a:t>ろう</a:t>
+            </a:r>
+            <a:endParaRPr kumimoji="1" lang="ja-JP" altLang="en-US" sz="6000" dirty="0">
+              <a:solidFill>
+                <a:schemeClr val="bg1"/>
+              </a:solidFill>
+              <a:latin typeface="HGP創英角ｺﾞｼｯｸUB" panose="020B0900000000000000" pitchFamily="50" charset="-128"/>
+              <a:ea typeface="HGP創英角ｺﾞｼｯｸUB" panose="020B0900000000000000" pitchFamily="50" charset="-128"/>
+            </a:endParaRPr>
+          </a:p>
+        </p:txBody>
+      </p:sp>
+      <p:sp>
+        <p:nvSpPr>
+          <p:cNvPr id="13" name="テキスト ボックス 12">
+            <a:extLst>
+              <a:ext uri="{FF2B5EF4-FFF2-40B4-BE49-F238E27FC236}">
+                <a16:creationId xmlns:a16="http://schemas.microsoft.com/office/drawing/2014/main" id="{E0D37505-506C-3E98-437C-62A75A7A5E05}"/>
+              </a:ext>
+            </a:extLst>
+          </p:cNvPr>
+          <p:cNvSpPr txBox="1"/>
+          <p:nvPr/>
+        </p:nvSpPr>
+        <p:spPr>
+          <a:xfrm>
+            <a:off x="234232" y="3046929"/>
+            <a:ext cx="4646378" cy="1754326"/>
+          </a:xfrm>
+          <a:prstGeom prst="rect">
+            <a:avLst/>
+          </a:prstGeom>
+          <a:noFill/>
+        </p:spPr>
+        <p:txBody>
+          <a:bodyPr wrap="square" rtlCol="0">
+            <a:spAutoFit/>
+          </a:bodyPr>
+          <a:lstStyle/>
+          <a:p>
+            <a:pPr algn="ctr"/>
+            <a:r>
+              <a:rPr kumimoji="1" lang="en-US" altLang="ja-JP" sz="5400" dirty="0">
+                <a:solidFill>
+                  <a:srgbClr val="FFFF66"/>
+                </a:solidFill>
+                <a:latin typeface="HGP創英角ｺﾞｼｯｸUB" panose="020B0900000000000000" pitchFamily="50" charset="-128"/>
+                <a:ea typeface="HGP創英角ｺﾞｼｯｸUB" panose="020B0900000000000000" pitchFamily="50" charset="-128"/>
+              </a:rPr>
+              <a:t>My</a:t>
+            </a:r>
+            <a:r>
+              <a:rPr kumimoji="1" lang="ja-JP" altLang="en-US" sz="5400" dirty="0">
+                <a:solidFill>
+                  <a:srgbClr val="FFFF66"/>
+                </a:solidFill>
+                <a:latin typeface="HGP創英角ｺﾞｼｯｸUB" panose="020B0900000000000000" pitchFamily="50" charset="-128"/>
+                <a:ea typeface="HGP創英角ｺﾞｼｯｸUB" panose="020B0900000000000000" pitchFamily="50" charset="-128"/>
+              </a:rPr>
+              <a:t>バス時刻表</a:t>
+            </a:r>
+            <a:endParaRPr kumimoji="1" lang="en-US" altLang="ja-JP" sz="5400" dirty="0">
+              <a:solidFill>
+                <a:srgbClr val="FFFF66"/>
+              </a:solidFill>
+              <a:latin typeface="HGP創英角ｺﾞｼｯｸUB" panose="020B0900000000000000" pitchFamily="50" charset="-128"/>
+              <a:ea typeface="HGP創英角ｺﾞｼｯｸUB" panose="020B0900000000000000" pitchFamily="50" charset="-128"/>
+            </a:endParaRPr>
+          </a:p>
+          <a:p>
+            <a:pPr algn="ctr"/>
+            <a:r>
+              <a:rPr kumimoji="1" lang="en-US" altLang="ja-JP" sz="5400" dirty="0">
+                <a:solidFill>
+                  <a:srgbClr val="FFFF66"/>
+                </a:solidFill>
+                <a:latin typeface="HGP創英角ｺﾞｼｯｸUB" panose="020B0900000000000000" pitchFamily="50" charset="-128"/>
+                <a:ea typeface="HGP創英角ｺﾞｼｯｸUB" panose="020B0900000000000000" pitchFamily="50" charset="-128"/>
+              </a:rPr>
+              <a:t>in </a:t>
+            </a:r>
+            <a:r>
+              <a:rPr kumimoji="1" lang="ja-JP" altLang="en-US" sz="5400" dirty="0">
+                <a:solidFill>
+                  <a:srgbClr val="FFFF66"/>
+                </a:solidFill>
+                <a:latin typeface="HGP創英角ｺﾞｼｯｸUB" panose="020B0900000000000000" pitchFamily="50" charset="-128"/>
+                <a:ea typeface="HGP創英角ｺﾞｼｯｸUB" panose="020B0900000000000000" pitchFamily="50" charset="-128"/>
+              </a:rPr>
+              <a:t>熊本</a:t>
+            </a:r>
+          </a:p>
+        </p:txBody>
+      </p:sp>
+      <p:sp>
+        <p:nvSpPr>
+          <p:cNvPr id="14" name="正方形/長方形 13">
+            <a:extLst>
+              <a:ext uri="{FF2B5EF4-FFF2-40B4-BE49-F238E27FC236}">
+                <a16:creationId xmlns:a16="http://schemas.microsoft.com/office/drawing/2014/main" id="{CB9A26E4-FBFA-FD95-27DB-12650FEAB695}"/>
+              </a:ext>
+            </a:extLst>
+          </p:cNvPr>
+          <p:cNvSpPr/>
+          <p:nvPr/>
+        </p:nvSpPr>
+        <p:spPr>
+          <a:xfrm>
+            <a:off x="5280659" y="0"/>
+            <a:ext cx="77697" cy="5143500"/>
+          </a:xfrm>
+          <a:prstGeom prst="rect">
+            <a:avLst/>
+          </a:prstGeom>
+          <a:solidFill>
+            <a:schemeClr val="bg1"/>
+          </a:solidFill>
+          <a:ln>
+            <a:noFill/>
+          </a:ln>
+        </p:spPr>
+        <p:style>
+          <a:lnRef idx="2">
+            <a:schemeClr val="accent1">
+              <a:shade val="15000"/>
+            </a:schemeClr>
+          </a:lnRef>
+          <a:fillRef idx="1">
+            <a:schemeClr val="accent1"/>
+          </a:fillRef>
+          <a:effectRef idx="0">
+            <a:schemeClr val="accent1"/>
+          </a:effectRef>
+          <a:fontRef idx="minor">
+            <a:schemeClr val="lt1"/>
+          </a:fontRef>
+        </p:style>
+        <p:txBody>
+          <a:bodyPr rtlCol="0" anchor="ctr"/>
+          <a:lstStyle/>
+          <a:p>
+            <a:pPr algn="ctr"/>
+            <a:endParaRPr kumimoji="1" lang="ja-JP" altLang="en-US"/>
+          </a:p>
+        </p:txBody>
+      </p:sp>
+      <p:sp>
+        <p:nvSpPr>
+          <p:cNvPr id="21" name="テキスト ボックス 20">
+            <a:extLst>
+              <a:ext uri="{FF2B5EF4-FFF2-40B4-BE49-F238E27FC236}">
+                <a16:creationId xmlns:a16="http://schemas.microsoft.com/office/drawing/2014/main" id="{B39F9F16-F278-1F24-68A5-9A370A3A8EC8}"/>
+              </a:ext>
+            </a:extLst>
+          </p:cNvPr>
+          <p:cNvSpPr txBox="1"/>
+          <p:nvPr/>
+        </p:nvSpPr>
+        <p:spPr>
+          <a:xfrm>
+            <a:off x="6334125" y="2971799"/>
+            <a:ext cx="4603664" cy="1971675"/>
+          </a:xfrm>
+          <a:prstGeom prst="rect">
+            <a:avLst/>
+          </a:prstGeom>
+          <a:solidFill>
+            <a:srgbClr val="354F9B">
+              <a:alpha val="89804"/>
+            </a:srgbClr>
+          </a:solidFill>
+        </p:spPr>
+        <p:txBody>
+          <a:bodyPr wrap="square" tIns="72000" bIns="0" rtlCol="0" anchor="ctr" anchorCtr="0">
+            <a:noAutofit/>
+          </a:bodyPr>
+          <a:lstStyle/>
+          <a:p>
+            <a:pPr marL="390525" indent="-390525">
+              <a:spcBef>
+                <a:spcPts val="400"/>
+              </a:spcBef>
+              <a:buFont typeface="Wingdings" panose="05000000000000000000" pitchFamily="2" charset="2"/>
+              <a:buChar char="ü"/>
+            </a:pPr>
+            <a:r>
+              <a:rPr kumimoji="1" lang="ja-JP" altLang="en-US" sz="2800" b="1" dirty="0">
+                <a:solidFill>
+                  <a:srgbClr val="FFFF99"/>
+                </a:solidFill>
+              </a:rPr>
+              <a:t>自宅</a:t>
+            </a:r>
+            <a:r>
+              <a:rPr kumimoji="1" lang="ja-JP" altLang="en-US" sz="2000" b="1" dirty="0">
+                <a:solidFill>
+                  <a:schemeClr val="bg1"/>
+                </a:solidFill>
+              </a:rPr>
+              <a:t>や</a:t>
+            </a:r>
+            <a:r>
+              <a:rPr kumimoji="1" lang="ja-JP" altLang="en-US" sz="2800" b="1" dirty="0">
+                <a:solidFill>
+                  <a:srgbClr val="FFFF99"/>
+                </a:solidFill>
+              </a:rPr>
+              <a:t>職場</a:t>
+            </a:r>
+            <a:r>
+              <a:rPr kumimoji="1" lang="ja-JP" altLang="en-US" sz="2000" b="1" dirty="0">
+                <a:solidFill>
+                  <a:schemeClr val="bg1"/>
+                </a:solidFill>
+              </a:rPr>
+              <a:t>から</a:t>
+            </a:r>
+            <a:br>
+              <a:rPr kumimoji="1" lang="en-US" altLang="ja-JP" sz="2000" b="1" dirty="0">
+                <a:solidFill>
+                  <a:schemeClr val="bg1"/>
+                </a:solidFill>
+              </a:rPr>
+            </a:br>
+            <a:r>
+              <a:rPr kumimoji="1" lang="ja-JP" altLang="en-US" sz="2800" b="1" dirty="0">
+                <a:solidFill>
+                  <a:srgbClr val="FFFF99"/>
+                </a:solidFill>
+              </a:rPr>
+              <a:t>よく</a:t>
+            </a:r>
+            <a:r>
+              <a:rPr kumimoji="1" lang="ja-JP" altLang="en-US" sz="2800" b="1" dirty="0">
+                <a:solidFill>
+                  <a:schemeClr val="bg1"/>
+                </a:solidFill>
+              </a:rPr>
+              <a:t>行く</a:t>
+            </a:r>
+            <a:r>
+              <a:rPr kumimoji="1" lang="ja-JP" altLang="en-US" sz="2000" b="1" dirty="0">
+                <a:solidFill>
+                  <a:schemeClr val="bg1"/>
+                </a:solidFill>
+              </a:rPr>
+              <a:t>所へ</a:t>
+            </a:r>
+            <a:endParaRPr kumimoji="1" lang="en-US" altLang="ja-JP" sz="2000" b="1" dirty="0">
+              <a:solidFill>
+                <a:schemeClr val="bg1"/>
+              </a:solidFill>
+            </a:endParaRPr>
+          </a:p>
+          <a:p>
+            <a:pPr marL="390525" indent="-390525">
+              <a:spcBef>
+                <a:spcPts val="400"/>
+              </a:spcBef>
+              <a:buFont typeface="Wingdings" panose="05000000000000000000" pitchFamily="2" charset="2"/>
+              <a:buChar char="ü"/>
+            </a:pPr>
+            <a:r>
+              <a:rPr kumimoji="1" lang="ja-JP" altLang="en-US" sz="2800" b="1" dirty="0">
+                <a:solidFill>
+                  <a:schemeClr val="bg1"/>
+                </a:solidFill>
+              </a:rPr>
+              <a:t>バス</a:t>
+            </a:r>
+            <a:r>
+              <a:rPr kumimoji="1" lang="en-US" altLang="ja-JP" sz="2800" b="1" dirty="0">
+                <a:solidFill>
+                  <a:srgbClr val="FFFF99"/>
+                </a:solidFill>
+              </a:rPr>
+              <a:t>5</a:t>
+            </a:r>
+            <a:r>
+              <a:rPr kumimoji="1" lang="ja-JP" altLang="en-US" sz="2800" b="1" dirty="0">
+                <a:solidFill>
+                  <a:srgbClr val="FFFF99"/>
+                </a:solidFill>
+              </a:rPr>
+              <a:t>社</a:t>
+            </a:r>
+            <a:r>
+              <a:rPr kumimoji="1" lang="ja-JP" altLang="en-US" sz="2000" b="1" dirty="0">
+                <a:solidFill>
+                  <a:schemeClr val="bg1"/>
+                </a:solidFill>
+              </a:rPr>
+              <a:t>の</a:t>
+            </a:r>
+            <a:br>
+              <a:rPr kumimoji="1" lang="en-US" altLang="ja-JP" sz="2000" b="1" dirty="0">
+                <a:solidFill>
+                  <a:schemeClr val="bg1"/>
+                </a:solidFill>
+              </a:rPr>
+            </a:br>
+            <a:r>
+              <a:rPr kumimoji="1" lang="ja-JP" altLang="en-US" sz="2800" b="1" dirty="0">
+                <a:solidFill>
+                  <a:schemeClr val="bg1"/>
+                </a:solidFill>
+              </a:rPr>
+              <a:t>情報</a:t>
+            </a:r>
+            <a:r>
+              <a:rPr kumimoji="1" lang="ja-JP" altLang="en-US" sz="2000" b="1" dirty="0">
+                <a:solidFill>
+                  <a:schemeClr val="bg1"/>
+                </a:solidFill>
+              </a:rPr>
+              <a:t>を</a:t>
+            </a:r>
+            <a:r>
+              <a:rPr kumimoji="1" lang="en-US" altLang="ja-JP" sz="2800" b="1" dirty="0">
+                <a:solidFill>
+                  <a:schemeClr val="bg1"/>
+                </a:solidFill>
+              </a:rPr>
+              <a:t>1</a:t>
+            </a:r>
+            <a:r>
+              <a:rPr kumimoji="1" lang="ja-JP" altLang="en-US" sz="2800" b="1" dirty="0">
+                <a:solidFill>
+                  <a:schemeClr val="bg1"/>
+                </a:solidFill>
+              </a:rPr>
+              <a:t>枚</a:t>
+            </a:r>
+            <a:r>
+              <a:rPr kumimoji="1" lang="ja-JP" altLang="en-US" sz="2000" b="1" dirty="0">
+                <a:solidFill>
+                  <a:schemeClr val="bg1"/>
+                </a:solidFill>
+              </a:rPr>
+              <a:t>に</a:t>
+            </a:r>
+            <a:endParaRPr kumimoji="1" lang="ja-JP" altLang="en-US" sz="2800" b="1" dirty="0">
+              <a:solidFill>
+                <a:schemeClr val="bg1"/>
+              </a:solidFill>
+            </a:endParaRPr>
+          </a:p>
+        </p:txBody>
+      </p:sp>
+      <p:sp>
+        <p:nvSpPr>
+          <p:cNvPr id="35" name="正方形/長方形 34">
+            <a:extLst>
+              <a:ext uri="{FF2B5EF4-FFF2-40B4-BE49-F238E27FC236}">
+                <a16:creationId xmlns:a16="http://schemas.microsoft.com/office/drawing/2014/main" id="{AC59EE53-FBA1-8E67-F8BD-9EDDA8BF1199}"/>
+              </a:ext>
+            </a:extLst>
+          </p:cNvPr>
+          <p:cNvSpPr/>
+          <p:nvPr/>
+        </p:nvSpPr>
+        <p:spPr>
+          <a:xfrm>
+            <a:off x="8391525" y="85725"/>
+            <a:ext cx="1590675" cy="352425"/>
+          </a:xfrm>
+          <a:prstGeom prst="rect">
+            <a:avLst/>
+          </a:prstGeom>
+          <a:solidFill>
+            <a:srgbClr val="354F9B"/>
+          </a:solidFill>
+          <a:ln>
+            <a:noFill/>
+          </a:ln>
+        </p:spPr>
+        <p:style>
+          <a:lnRef idx="2">
+            <a:schemeClr val="accent1">
+              <a:shade val="15000"/>
+            </a:schemeClr>
+          </a:lnRef>
+          <a:fillRef idx="1">
+            <a:schemeClr val="accent1"/>
+          </a:fillRef>
+          <a:effectRef idx="0">
+            <a:schemeClr val="accent1"/>
+          </a:effectRef>
+          <a:fontRef idx="minor">
+            <a:schemeClr val="lt1"/>
+          </a:fontRef>
+        </p:style>
+        <p:txBody>
+          <a:bodyPr rtlCol="0" anchor="ctr"/>
+          <a:lstStyle/>
+          <a:p>
+            <a:pPr algn="ctr"/>
+            <a:endParaRPr kumimoji="1" lang="ja-JP" altLang="en-US"/>
+          </a:p>
+        </p:txBody>
+      </p:sp>
+    </p:spTree>
+    <p:extLst>
+      <p:ext uri="{BB962C8B-B14F-4D97-AF65-F5344CB8AC3E}">
+        <p14:creationId xmlns:p14="http://schemas.microsoft.com/office/powerpoint/2010/main" val="400633489"/>
       </p:ext>
     </p:extLst>
   </p:cSld>
